--- a/presentation_projet_python.pptx
+++ b/presentation_projet_python.pptx
@@ -12,8 +12,10 @@
     <p:sldId id="260" r:id="rId6"/>
     <p:sldId id="262" r:id="rId7"/>
     <p:sldId id="263" r:id="rId8"/>
-    <p:sldId id="264" r:id="rId9"/>
-    <p:sldId id="265" r:id="rId10"/>
+    <p:sldId id="266" r:id="rId9"/>
+    <p:sldId id="267" r:id="rId10"/>
+    <p:sldId id="268" r:id="rId11"/>
+    <p:sldId id="265" r:id="rId12"/>
   </p:sldIdLst>
   <p:sldSz cx="12192000" cy="6858000"/>
   <p:notesSz cx="6858000" cy="9144000"/>
@@ -112,6 +114,11 @@
       </a:defRPr>
     </a:lvl9pPr>
   </p:defaultTextStyle>
+  <p:extLst>
+    <p:ext uri="{EFAFB233-063F-42B5-8137-9DF3F51BA10A}">
+      <p15:sldGuideLst xmlns:p15="http://schemas.microsoft.com/office/powerpoint/2012/main"/>
+    </p:ext>
+  </p:extLst>
 </p:presentation>
 </file>
 
@@ -262,7 +269,7 @@
           <a:p>
             <a:fld id="{AA23E72B-D789-4266-A336-0C88DF1D9031}" type="datetimeFigureOut">
               <a:rPr lang="fr-FR" smtClean="0"/>
-              <a:t>08/01/2023</a:t>
+              <a:t>10/01/2023</a:t>
             </a:fld>
             <a:endParaRPr lang="fr-FR"/>
           </a:p>
@@ -460,7 +467,7 @@
           <a:p>
             <a:fld id="{AA23E72B-D789-4266-A336-0C88DF1D9031}" type="datetimeFigureOut">
               <a:rPr lang="fr-FR" smtClean="0"/>
-              <a:t>08/01/2023</a:t>
+              <a:t>10/01/2023</a:t>
             </a:fld>
             <a:endParaRPr lang="fr-FR"/>
           </a:p>
@@ -668,7 +675,7 @@
           <a:p>
             <a:fld id="{AA23E72B-D789-4266-A336-0C88DF1D9031}" type="datetimeFigureOut">
               <a:rPr lang="fr-FR" smtClean="0"/>
-              <a:t>08/01/2023</a:t>
+              <a:t>10/01/2023</a:t>
             </a:fld>
             <a:endParaRPr lang="fr-FR"/>
           </a:p>
@@ -866,7 +873,7 @@
           <a:p>
             <a:fld id="{AA23E72B-D789-4266-A336-0C88DF1D9031}" type="datetimeFigureOut">
               <a:rPr lang="fr-FR" smtClean="0"/>
-              <a:t>08/01/2023</a:t>
+              <a:t>10/01/2023</a:t>
             </a:fld>
             <a:endParaRPr lang="fr-FR"/>
           </a:p>
@@ -1141,7 +1148,7 @@
           <a:p>
             <a:fld id="{AA23E72B-D789-4266-A336-0C88DF1D9031}" type="datetimeFigureOut">
               <a:rPr lang="fr-FR" smtClean="0"/>
-              <a:t>08/01/2023</a:t>
+              <a:t>10/01/2023</a:t>
             </a:fld>
             <a:endParaRPr lang="fr-FR"/>
           </a:p>
@@ -1406,7 +1413,7 @@
           <a:p>
             <a:fld id="{AA23E72B-D789-4266-A336-0C88DF1D9031}" type="datetimeFigureOut">
               <a:rPr lang="fr-FR" smtClean="0"/>
-              <a:t>08/01/2023</a:t>
+              <a:t>10/01/2023</a:t>
             </a:fld>
             <a:endParaRPr lang="fr-FR"/>
           </a:p>
@@ -1818,7 +1825,7 @@
           <a:p>
             <a:fld id="{AA23E72B-D789-4266-A336-0C88DF1D9031}" type="datetimeFigureOut">
               <a:rPr lang="fr-FR" smtClean="0"/>
-              <a:t>08/01/2023</a:t>
+              <a:t>10/01/2023</a:t>
             </a:fld>
             <a:endParaRPr lang="fr-FR"/>
           </a:p>
@@ -1959,7 +1966,7 @@
           <a:p>
             <a:fld id="{AA23E72B-D789-4266-A336-0C88DF1D9031}" type="datetimeFigureOut">
               <a:rPr lang="fr-FR" smtClean="0"/>
-              <a:t>08/01/2023</a:t>
+              <a:t>10/01/2023</a:t>
             </a:fld>
             <a:endParaRPr lang="fr-FR"/>
           </a:p>
@@ -2072,7 +2079,7 @@
           <a:p>
             <a:fld id="{AA23E72B-D789-4266-A336-0C88DF1D9031}" type="datetimeFigureOut">
               <a:rPr lang="fr-FR" smtClean="0"/>
-              <a:t>08/01/2023</a:t>
+              <a:t>10/01/2023</a:t>
             </a:fld>
             <a:endParaRPr lang="fr-FR"/>
           </a:p>
@@ -2383,7 +2390,7 @@
           <a:p>
             <a:fld id="{AA23E72B-D789-4266-A336-0C88DF1D9031}" type="datetimeFigureOut">
               <a:rPr lang="fr-FR" smtClean="0"/>
-              <a:t>08/01/2023</a:t>
+              <a:t>10/01/2023</a:t>
             </a:fld>
             <a:endParaRPr lang="fr-FR"/>
           </a:p>
@@ -2671,7 +2678,7 @@
           <a:p>
             <a:fld id="{AA23E72B-D789-4266-A336-0C88DF1D9031}" type="datetimeFigureOut">
               <a:rPr lang="fr-FR" smtClean="0"/>
-              <a:t>08/01/2023</a:t>
+              <a:t>10/01/2023</a:t>
             </a:fld>
             <a:endParaRPr lang="fr-FR"/>
           </a:p>
@@ -2912,7 +2919,7 @@
           <a:p>
             <a:fld id="{AA23E72B-D789-4266-A336-0C88DF1D9031}" type="datetimeFigureOut">
               <a:rPr lang="fr-FR" smtClean="0"/>
-              <a:t>08/01/2023</a:t>
+              <a:t>10/01/2023</a:t>
             </a:fld>
             <a:endParaRPr lang="fr-FR"/>
           </a:p>
@@ -3766,6 +3773,1286 @@
 </p:sld>
 </file>
 
+<file path=ppt/slides/slide10.xml><?xml version="1.0" encoding="utf-8"?>
+<p:sld xmlns:a="http://schemas.openxmlformats.org/drawingml/2006/main" xmlns:r="http://schemas.openxmlformats.org/officeDocument/2006/relationships" xmlns:p="http://schemas.openxmlformats.org/presentationml/2006/main">
+  <p:cSld>
+    <p:spTree>
+      <p:nvGrpSpPr>
+        <p:cNvPr id="1" name=""/>
+        <p:cNvGrpSpPr/>
+        <p:nvPr/>
+      </p:nvGrpSpPr>
+      <p:grpSpPr>
+        <a:xfrm>
+          <a:off x="0" y="0"/>
+          <a:ext cx="0" cy="0"/>
+          <a:chOff x="0" y="0"/>
+          <a:chExt cx="0" cy="0"/>
+        </a:xfrm>
+      </p:grpSpPr>
+      <p:pic>
+        <p:nvPicPr>
+          <p:cNvPr id="4100" name="Picture 4">
+            <a:extLst>
+              <a:ext uri="{FF2B5EF4-FFF2-40B4-BE49-F238E27FC236}">
+                <a16:creationId xmlns:a16="http://schemas.microsoft.com/office/drawing/2014/main" id="{42D2ABDA-698C-AB84-0C1B-A24AC7FA99C7}"/>
+              </a:ext>
+            </a:extLst>
+          </p:cNvPr>
+          <p:cNvPicPr>
+            <a:picLocks noChangeAspect="1" noChangeArrowheads="1"/>
+          </p:cNvPicPr>
+          <p:nvPr/>
+        </p:nvPicPr>
+        <p:blipFill>
+          <a:blip r:embed="rId2">
+            <a:extLst>
+              <a:ext uri="{28A0092B-C50C-407E-A947-70E740481C1C}">
+                <a14:useLocalDpi xmlns:a14="http://schemas.microsoft.com/office/drawing/2010/main" val="0"/>
+              </a:ext>
+            </a:extLst>
+          </a:blip>
+          <a:srcRect/>
+          <a:stretch>
+            <a:fillRect/>
+          </a:stretch>
+        </p:blipFill>
+        <p:spPr bwMode="auto">
+          <a:xfrm>
+            <a:off x="1052414" y="4118350"/>
+            <a:ext cx="998219" cy="1157045"/>
+          </a:xfrm>
+          <a:prstGeom prst="rect">
+            <a:avLst/>
+          </a:prstGeom>
+          <a:noFill/>
+          <a:extLst>
+            <a:ext uri="{909E8E84-426E-40DD-AFC4-6F175D3DCCD1}">
+              <a14:hiddenFill xmlns:a14="http://schemas.microsoft.com/office/drawing/2010/main">
+                <a:solidFill>
+                  <a:srgbClr val="FFFFFF"/>
+                </a:solidFill>
+              </a14:hiddenFill>
+            </a:ext>
+          </a:extLst>
+        </p:spPr>
+      </p:pic>
+      <p:sp>
+        <p:nvSpPr>
+          <p:cNvPr id="3" name="Sous-titre 2">
+            <a:extLst>
+              <a:ext uri="{FF2B5EF4-FFF2-40B4-BE49-F238E27FC236}">
+                <a16:creationId xmlns:a16="http://schemas.microsoft.com/office/drawing/2014/main" id="{30EDCDC4-4749-4F5E-9FD1-6F1AA13C6E79}"/>
+              </a:ext>
+            </a:extLst>
+          </p:cNvPr>
+          <p:cNvSpPr>
+            <a:spLocks noGrp="1"/>
+          </p:cNvSpPr>
+          <p:nvPr>
+            <p:ph type="subTitle" idx="1"/>
+          </p:nvPr>
+        </p:nvSpPr>
+        <p:spPr>
+          <a:xfrm>
+            <a:off x="622853" y="274577"/>
+            <a:ext cx="9144000" cy="535608"/>
+          </a:xfrm>
+        </p:spPr>
+        <p:txBody>
+          <a:bodyPr/>
+          <a:lstStyle/>
+          <a:p>
+            <a:pPr algn="l"/>
+            <a:r>
+              <a:rPr lang="fr-FR" dirty="0">
+                <a:latin typeface="Arial" panose="020B0604020202020204" pitchFamily="34" charset="0"/>
+                <a:cs typeface="Arial" panose="020B0604020202020204" pitchFamily="34" charset="0"/>
+              </a:rPr>
+              <a:t>IV. </a:t>
+            </a:r>
+            <a:r>
+              <a:rPr lang="fr-FR" dirty="0" err="1">
+                <a:latin typeface="Arial" panose="020B0604020202020204" pitchFamily="34" charset="0"/>
+                <a:cs typeface="Arial" panose="020B0604020202020204" pitchFamily="34" charset="0"/>
+              </a:rPr>
+              <a:t>Deep</a:t>
+            </a:r>
+            <a:r>
+              <a:rPr lang="fr-FR" dirty="0">
+                <a:latin typeface="Arial" panose="020B0604020202020204" pitchFamily="34" charset="0"/>
+                <a:cs typeface="Arial" panose="020B0604020202020204" pitchFamily="34" charset="0"/>
+              </a:rPr>
+              <a:t> Learning </a:t>
+            </a:r>
+            <a:r>
+              <a:rPr lang="fr-FR" dirty="0">
+                <a:solidFill>
+                  <a:schemeClr val="bg2">
+                    <a:lumMod val="50000"/>
+                  </a:schemeClr>
+                </a:solidFill>
+                <a:latin typeface="Arial" panose="020B0604020202020204" pitchFamily="34" charset="0"/>
+                <a:cs typeface="Arial" panose="020B0604020202020204" pitchFamily="34" charset="0"/>
+              </a:rPr>
+              <a:t>(Réseau de neurones convolutif)</a:t>
+            </a:r>
+          </a:p>
+          <a:p>
+            <a:pPr algn="l"/>
+            <a:endParaRPr lang="fr-FR" dirty="0">
+              <a:latin typeface="Arial" panose="020B0604020202020204" pitchFamily="34" charset="0"/>
+              <a:cs typeface="Arial" panose="020B0604020202020204" pitchFamily="34" charset="0"/>
+            </a:endParaRPr>
+          </a:p>
+        </p:txBody>
+      </p:sp>
+      <p:pic>
+        <p:nvPicPr>
+          <p:cNvPr id="1026" name="Picture 2" descr="Cnam Nouvelle-Aquitaine - French Tech Bordeaux">
+            <a:extLst>
+              <a:ext uri="{FF2B5EF4-FFF2-40B4-BE49-F238E27FC236}">
+                <a16:creationId xmlns:a16="http://schemas.microsoft.com/office/drawing/2014/main" id="{EEA99775-8044-4C74-9886-A962AED4A272}"/>
+              </a:ext>
+            </a:extLst>
+          </p:cNvPr>
+          <p:cNvPicPr>
+            <a:picLocks noChangeAspect="1" noChangeArrowheads="1"/>
+          </p:cNvPicPr>
+          <p:nvPr/>
+        </p:nvPicPr>
+        <p:blipFill>
+          <a:blip r:embed="rId3">
+            <a:extLst>
+              <a:ext uri="{28A0092B-C50C-407E-A947-70E740481C1C}">
+                <a14:useLocalDpi xmlns:a14="http://schemas.microsoft.com/office/drawing/2010/main" val="0"/>
+              </a:ext>
+            </a:extLst>
+          </a:blip>
+          <a:srcRect/>
+          <a:stretch>
+            <a:fillRect/>
+          </a:stretch>
+        </p:blipFill>
+        <p:spPr bwMode="auto">
+          <a:xfrm>
+            <a:off x="9053406" y="5533921"/>
+            <a:ext cx="2515741" cy="720000"/>
+          </a:xfrm>
+          <a:prstGeom prst="rect">
+            <a:avLst/>
+          </a:prstGeom>
+          <a:noFill/>
+          <a:extLst>
+            <a:ext uri="{909E8E84-426E-40DD-AFC4-6F175D3DCCD1}">
+              <a14:hiddenFill xmlns:a14="http://schemas.microsoft.com/office/drawing/2010/main">
+                <a:solidFill>
+                  <a:srgbClr val="FFFFFF"/>
+                </a:solidFill>
+              </a14:hiddenFill>
+            </a:ext>
+          </a:extLst>
+        </p:spPr>
+      </p:pic>
+      <p:sp>
+        <p:nvSpPr>
+          <p:cNvPr id="8" name="Espace réservé du numéro de diapositive 7">
+            <a:extLst>
+              <a:ext uri="{FF2B5EF4-FFF2-40B4-BE49-F238E27FC236}">
+                <a16:creationId xmlns:a16="http://schemas.microsoft.com/office/drawing/2014/main" id="{C25A451F-5593-4D1D-A24B-805DA5481D44}"/>
+              </a:ext>
+            </a:extLst>
+          </p:cNvPr>
+          <p:cNvSpPr>
+            <a:spLocks noGrp="1"/>
+          </p:cNvSpPr>
+          <p:nvPr>
+            <p:ph type="sldNum" sz="quarter" idx="12"/>
+          </p:nvPr>
+        </p:nvSpPr>
+        <p:spPr>
+          <a:xfrm>
+            <a:off x="4724400" y="6197177"/>
+            <a:ext cx="2743200" cy="365125"/>
+          </a:xfrm>
+        </p:spPr>
+        <p:txBody>
+          <a:bodyPr/>
+          <a:lstStyle/>
+          <a:p>
+            <a:pPr algn="ctr"/>
+            <a:fld id="{69BB7C2E-B2EC-41C4-ADA1-E8A41B69DF67}" type="slidenum">
+              <a:rPr lang="fr-FR" sz="1600" smtClean="0">
+                <a:solidFill>
+                  <a:schemeClr val="tx1"/>
+                </a:solidFill>
+                <a:latin typeface="Arial" panose="020B0604020202020204" pitchFamily="34" charset="0"/>
+                <a:cs typeface="Arial" panose="020B0604020202020204" pitchFamily="34" charset="0"/>
+              </a:rPr>
+              <a:pPr algn="ctr"/>
+              <a:t>10</a:t>
+            </a:fld>
+            <a:endParaRPr lang="fr-FR" sz="1600" dirty="0">
+              <a:solidFill>
+                <a:schemeClr val="tx1"/>
+              </a:solidFill>
+              <a:latin typeface="Arial" panose="020B0604020202020204" pitchFamily="34" charset="0"/>
+              <a:cs typeface="Arial" panose="020B0604020202020204" pitchFamily="34" charset="0"/>
+            </a:endParaRPr>
+          </a:p>
+        </p:txBody>
+      </p:sp>
+      <p:sp>
+        <p:nvSpPr>
+          <p:cNvPr id="4" name="Sous-titre 2">
+            <a:extLst>
+              <a:ext uri="{FF2B5EF4-FFF2-40B4-BE49-F238E27FC236}">
+                <a16:creationId xmlns:a16="http://schemas.microsoft.com/office/drawing/2014/main" id="{36618586-95D3-AAB0-A82D-F25C0B7A1A0E}"/>
+              </a:ext>
+            </a:extLst>
+          </p:cNvPr>
+          <p:cNvSpPr txBox="1">
+            <a:spLocks/>
+          </p:cNvSpPr>
+          <p:nvPr/>
+        </p:nvSpPr>
+        <p:spPr>
+          <a:xfrm>
+            <a:off x="622853" y="749225"/>
+            <a:ext cx="10946294" cy="778236"/>
+          </a:xfrm>
+          <a:prstGeom prst="rect">
+            <a:avLst/>
+          </a:prstGeom>
+        </p:spPr>
+        <p:txBody>
+          <a:bodyPr vert="horz" lIns="91440" tIns="45720" rIns="91440" bIns="45720" rtlCol="0">
+            <a:normAutofit/>
+          </a:bodyPr>
+          <a:lstStyle>
+            <a:lvl1pPr marL="0" indent="0" algn="ctr" defTabSz="914400" rtl="0" eaLnBrk="1" latinLnBrk="0" hangingPunct="1">
+              <a:lnSpc>
+                <a:spcPct val="90000"/>
+              </a:lnSpc>
+              <a:spcBef>
+                <a:spcPts val="1000"/>
+              </a:spcBef>
+              <a:buFont typeface="Arial" panose="020B0604020202020204" pitchFamily="34" charset="0"/>
+              <a:buNone/>
+              <a:defRPr sz="2400" kern="1200">
+                <a:solidFill>
+                  <a:schemeClr val="tx1"/>
+                </a:solidFill>
+                <a:latin typeface="+mn-lt"/>
+                <a:ea typeface="+mn-ea"/>
+                <a:cs typeface="+mn-cs"/>
+              </a:defRPr>
+            </a:lvl1pPr>
+            <a:lvl2pPr marL="457200" indent="0" algn="ctr" defTabSz="914400" rtl="0" eaLnBrk="1" latinLnBrk="0" hangingPunct="1">
+              <a:lnSpc>
+                <a:spcPct val="90000"/>
+              </a:lnSpc>
+              <a:spcBef>
+                <a:spcPts val="500"/>
+              </a:spcBef>
+              <a:buFont typeface="Arial" panose="020B0604020202020204" pitchFamily="34" charset="0"/>
+              <a:buNone/>
+              <a:defRPr sz="2000" kern="1200">
+                <a:solidFill>
+                  <a:schemeClr val="tx1"/>
+                </a:solidFill>
+                <a:latin typeface="+mn-lt"/>
+                <a:ea typeface="+mn-ea"/>
+                <a:cs typeface="+mn-cs"/>
+              </a:defRPr>
+            </a:lvl2pPr>
+            <a:lvl3pPr marL="914400" indent="0" algn="ctr" defTabSz="914400" rtl="0" eaLnBrk="1" latinLnBrk="0" hangingPunct="1">
+              <a:lnSpc>
+                <a:spcPct val="90000"/>
+              </a:lnSpc>
+              <a:spcBef>
+                <a:spcPts val="500"/>
+              </a:spcBef>
+              <a:buFont typeface="Arial" panose="020B0604020202020204" pitchFamily="34" charset="0"/>
+              <a:buNone/>
+              <a:defRPr sz="1800" kern="1200">
+                <a:solidFill>
+                  <a:schemeClr val="tx1"/>
+                </a:solidFill>
+                <a:latin typeface="+mn-lt"/>
+                <a:ea typeface="+mn-ea"/>
+                <a:cs typeface="+mn-cs"/>
+              </a:defRPr>
+            </a:lvl3pPr>
+            <a:lvl4pPr marL="1371600" indent="0" algn="ctr" defTabSz="914400" rtl="0" eaLnBrk="1" latinLnBrk="0" hangingPunct="1">
+              <a:lnSpc>
+                <a:spcPct val="90000"/>
+              </a:lnSpc>
+              <a:spcBef>
+                <a:spcPts val="500"/>
+              </a:spcBef>
+              <a:buFont typeface="Arial" panose="020B0604020202020204" pitchFamily="34" charset="0"/>
+              <a:buNone/>
+              <a:defRPr sz="1600" kern="1200">
+                <a:solidFill>
+                  <a:schemeClr val="tx1"/>
+                </a:solidFill>
+                <a:latin typeface="+mn-lt"/>
+                <a:ea typeface="+mn-ea"/>
+                <a:cs typeface="+mn-cs"/>
+              </a:defRPr>
+            </a:lvl4pPr>
+            <a:lvl5pPr marL="1828800" indent="0" algn="ctr" defTabSz="914400" rtl="0" eaLnBrk="1" latinLnBrk="0" hangingPunct="1">
+              <a:lnSpc>
+                <a:spcPct val="90000"/>
+              </a:lnSpc>
+              <a:spcBef>
+                <a:spcPts val="500"/>
+              </a:spcBef>
+              <a:buFont typeface="Arial" panose="020B0604020202020204" pitchFamily="34" charset="0"/>
+              <a:buNone/>
+              <a:defRPr sz="1600" kern="1200">
+                <a:solidFill>
+                  <a:schemeClr val="tx1"/>
+                </a:solidFill>
+                <a:latin typeface="+mn-lt"/>
+                <a:ea typeface="+mn-ea"/>
+                <a:cs typeface="+mn-cs"/>
+              </a:defRPr>
+            </a:lvl5pPr>
+            <a:lvl6pPr marL="2286000" indent="0" algn="ctr" defTabSz="914400" rtl="0" eaLnBrk="1" latinLnBrk="0" hangingPunct="1">
+              <a:lnSpc>
+                <a:spcPct val="90000"/>
+              </a:lnSpc>
+              <a:spcBef>
+                <a:spcPts val="500"/>
+              </a:spcBef>
+              <a:buFont typeface="Arial" panose="020B0604020202020204" pitchFamily="34" charset="0"/>
+              <a:buNone/>
+              <a:defRPr sz="1600" kern="1200">
+                <a:solidFill>
+                  <a:schemeClr val="tx1"/>
+                </a:solidFill>
+                <a:latin typeface="+mn-lt"/>
+                <a:ea typeface="+mn-ea"/>
+                <a:cs typeface="+mn-cs"/>
+              </a:defRPr>
+            </a:lvl6pPr>
+            <a:lvl7pPr marL="2743200" indent="0" algn="ctr" defTabSz="914400" rtl="0" eaLnBrk="1" latinLnBrk="0" hangingPunct="1">
+              <a:lnSpc>
+                <a:spcPct val="90000"/>
+              </a:lnSpc>
+              <a:spcBef>
+                <a:spcPts val="500"/>
+              </a:spcBef>
+              <a:buFont typeface="Arial" panose="020B0604020202020204" pitchFamily="34" charset="0"/>
+              <a:buNone/>
+              <a:defRPr sz="1600" kern="1200">
+                <a:solidFill>
+                  <a:schemeClr val="tx1"/>
+                </a:solidFill>
+                <a:latin typeface="+mn-lt"/>
+                <a:ea typeface="+mn-ea"/>
+                <a:cs typeface="+mn-cs"/>
+              </a:defRPr>
+            </a:lvl7pPr>
+            <a:lvl8pPr marL="3200400" indent="0" algn="ctr" defTabSz="914400" rtl="0" eaLnBrk="1" latinLnBrk="0" hangingPunct="1">
+              <a:lnSpc>
+                <a:spcPct val="90000"/>
+              </a:lnSpc>
+              <a:spcBef>
+                <a:spcPts val="500"/>
+              </a:spcBef>
+              <a:buFont typeface="Arial" panose="020B0604020202020204" pitchFamily="34" charset="0"/>
+              <a:buNone/>
+              <a:defRPr sz="1600" kern="1200">
+                <a:solidFill>
+                  <a:schemeClr val="tx1"/>
+                </a:solidFill>
+                <a:latin typeface="+mn-lt"/>
+                <a:ea typeface="+mn-ea"/>
+                <a:cs typeface="+mn-cs"/>
+              </a:defRPr>
+            </a:lvl8pPr>
+            <a:lvl9pPr marL="3657600" indent="0" algn="ctr" defTabSz="914400" rtl="0" eaLnBrk="1" latinLnBrk="0" hangingPunct="1">
+              <a:lnSpc>
+                <a:spcPct val="90000"/>
+              </a:lnSpc>
+              <a:spcBef>
+                <a:spcPts val="500"/>
+              </a:spcBef>
+              <a:buFont typeface="Arial" panose="020B0604020202020204" pitchFamily="34" charset="0"/>
+              <a:buNone/>
+              <a:defRPr sz="1600" kern="1200">
+                <a:solidFill>
+                  <a:schemeClr val="tx1"/>
+                </a:solidFill>
+                <a:latin typeface="+mn-lt"/>
+                <a:ea typeface="+mn-ea"/>
+                <a:cs typeface="+mn-cs"/>
+              </a:defRPr>
+            </a:lvl9pPr>
+          </a:lstStyle>
+          <a:p>
+            <a:pPr algn="just">
+              <a:lnSpc>
+                <a:spcPct val="150000"/>
+              </a:lnSpc>
+            </a:pPr>
+            <a:r>
+              <a:rPr lang="fr-FR" sz="2800" dirty="0"/>
+              <a:t>Modèle de prédiction : </a:t>
+            </a:r>
+            <a:r>
+              <a:rPr lang="fr-FR" sz="2800" dirty="0" err="1"/>
+              <a:t>Convolutional</a:t>
+            </a:r>
+            <a:r>
+              <a:rPr lang="fr-FR" sz="2800" dirty="0"/>
+              <a:t> Neural Network</a:t>
+            </a:r>
+          </a:p>
+        </p:txBody>
+      </p:sp>
+      <p:sp>
+        <p:nvSpPr>
+          <p:cNvPr id="5" name="ZoneTexte 4">
+            <a:extLst>
+              <a:ext uri="{FF2B5EF4-FFF2-40B4-BE49-F238E27FC236}">
+                <a16:creationId xmlns:a16="http://schemas.microsoft.com/office/drawing/2014/main" id="{C30ACD72-C848-9CE3-BBA8-673611831ED4}"/>
+              </a:ext>
+            </a:extLst>
+          </p:cNvPr>
+          <p:cNvSpPr txBox="1"/>
+          <p:nvPr/>
+        </p:nvSpPr>
+        <p:spPr>
+          <a:xfrm>
+            <a:off x="1777410" y="1641227"/>
+            <a:ext cx="7989444" cy="1959511"/>
+          </a:xfrm>
+          <a:prstGeom prst="rect">
+            <a:avLst/>
+          </a:prstGeom>
+          <a:noFill/>
+        </p:spPr>
+        <p:txBody>
+          <a:bodyPr wrap="square">
+            <a:spAutoFit/>
+          </a:bodyPr>
+          <a:lstStyle/>
+          <a:p>
+            <a:pPr algn="just"/>
+            <a:r>
+              <a:rPr lang="fr-FR" sz="2800" dirty="0"/>
+              <a:t>Objectifs : </a:t>
+            </a:r>
+          </a:p>
+          <a:p>
+            <a:pPr marL="449580" algn="just">
+              <a:spcAft>
+                <a:spcPts val="800"/>
+              </a:spcAft>
+            </a:pPr>
+            <a:r>
+              <a:rPr lang="fr-FR" sz="2000" dirty="0">
+                <a:effectLst/>
+                <a:latin typeface="Calibri" panose="020F0502020204030204" pitchFamily="34" charset="0"/>
+                <a:ea typeface="Calibri" panose="020F0502020204030204" pitchFamily="34" charset="0"/>
+                <a:cs typeface="Times New Roman" panose="02020603050405020304" pitchFamily="18" charset="0"/>
+              </a:rPr>
+              <a:t>-  Entraîner un modèle de </a:t>
+            </a:r>
+            <a:r>
+              <a:rPr lang="fr-FR" sz="2000" dirty="0" err="1">
+                <a:effectLst/>
+                <a:latin typeface="Calibri" panose="020F0502020204030204" pitchFamily="34" charset="0"/>
+                <a:ea typeface="Calibri" panose="020F0502020204030204" pitchFamily="34" charset="0"/>
+                <a:cs typeface="Times New Roman" panose="02020603050405020304" pitchFamily="18" charset="0"/>
+              </a:rPr>
+              <a:t>deep</a:t>
+            </a:r>
+            <a:r>
+              <a:rPr lang="fr-FR" sz="2000" dirty="0">
+                <a:effectLst/>
+                <a:latin typeface="Calibri" panose="020F0502020204030204" pitchFamily="34" charset="0"/>
+                <a:ea typeface="Calibri" panose="020F0502020204030204" pitchFamily="34" charset="0"/>
+                <a:cs typeface="Times New Roman" panose="02020603050405020304" pitchFamily="18" charset="0"/>
+              </a:rPr>
+              <a:t> </a:t>
+            </a:r>
+            <a:r>
+              <a:rPr lang="fr-FR" sz="2000" dirty="0" err="1">
+                <a:effectLst/>
+                <a:latin typeface="Calibri" panose="020F0502020204030204" pitchFamily="34" charset="0"/>
+                <a:ea typeface="Calibri" panose="020F0502020204030204" pitchFamily="34" charset="0"/>
+                <a:cs typeface="Times New Roman" panose="02020603050405020304" pitchFamily="18" charset="0"/>
+              </a:rPr>
+              <a:t>learning</a:t>
+            </a:r>
+            <a:r>
+              <a:rPr lang="fr-FR" sz="2000" dirty="0">
+                <a:effectLst/>
+                <a:latin typeface="Calibri" panose="020F0502020204030204" pitchFamily="34" charset="0"/>
+                <a:ea typeface="Calibri" panose="020F0502020204030204" pitchFamily="34" charset="0"/>
+                <a:cs typeface="Times New Roman" panose="02020603050405020304" pitchFamily="18" charset="0"/>
+              </a:rPr>
+              <a:t>;</a:t>
+            </a:r>
+          </a:p>
+          <a:p>
+            <a:pPr marL="449580" algn="just">
+              <a:spcAft>
+                <a:spcPts val="800"/>
+              </a:spcAft>
+            </a:pPr>
+            <a:r>
+              <a:rPr lang="fr-FR" sz="2000" dirty="0">
+                <a:effectLst/>
+                <a:latin typeface="Calibri" panose="020F0502020204030204" pitchFamily="34" charset="0"/>
+                <a:ea typeface="Calibri" panose="020F0502020204030204" pitchFamily="34" charset="0"/>
+                <a:cs typeface="Times New Roman" panose="02020603050405020304" pitchFamily="18" charset="0"/>
+              </a:rPr>
+              <a:t>-  Afficher les prédictions sur de nouvelles données préparées;</a:t>
+            </a:r>
+          </a:p>
+          <a:p>
+            <a:pPr marL="449580" algn="just">
+              <a:spcAft>
+                <a:spcPts val="800"/>
+              </a:spcAft>
+            </a:pPr>
+            <a:r>
+              <a:rPr lang="fr-FR" sz="2000" dirty="0">
+                <a:effectLst/>
+                <a:latin typeface="Calibri" panose="020F0502020204030204" pitchFamily="34" charset="0"/>
+                <a:ea typeface="Calibri" panose="020F0502020204030204" pitchFamily="34" charset="0"/>
+                <a:cs typeface="Times New Roman" panose="02020603050405020304" pitchFamily="18" charset="0"/>
+              </a:rPr>
+              <a:t>- Afficher grâce à un </a:t>
+            </a:r>
+            <a:r>
+              <a:rPr lang="fr-FR" sz="2000" dirty="0" err="1">
+                <a:effectLst/>
+                <a:latin typeface="Calibri" panose="020F0502020204030204" pitchFamily="34" charset="0"/>
+                <a:ea typeface="Calibri" panose="020F0502020204030204" pitchFamily="34" charset="0"/>
+                <a:cs typeface="Times New Roman" panose="02020603050405020304" pitchFamily="18" charset="0"/>
+              </a:rPr>
+              <a:t>dataframe</a:t>
+            </a:r>
+            <a:r>
+              <a:rPr lang="fr-FR" sz="2000" dirty="0">
+                <a:effectLst/>
+                <a:latin typeface="Calibri" panose="020F0502020204030204" pitchFamily="34" charset="0"/>
+                <a:ea typeface="Calibri" panose="020F0502020204030204" pitchFamily="34" charset="0"/>
+                <a:cs typeface="Times New Roman" panose="02020603050405020304" pitchFamily="18" charset="0"/>
+              </a:rPr>
+              <a:t> les résultats (avec notamment une comparaison entre données à prédire et prédictions).</a:t>
+            </a:r>
+          </a:p>
+        </p:txBody>
+      </p:sp>
+      <p:pic>
+        <p:nvPicPr>
+          <p:cNvPr id="7" name="Picture 4" descr="Icône Vectorielle Cible. Cible Avec Icône De Flèche. Logo De La Mission Ou  De L'objectif Professionnel. Illustration Vectorielle D Illustration de  Vecteur - Illustration du archery, perfection: 218083888">
+            <a:extLst>
+              <a:ext uri="{FF2B5EF4-FFF2-40B4-BE49-F238E27FC236}">
+                <a16:creationId xmlns:a16="http://schemas.microsoft.com/office/drawing/2014/main" id="{5C674FCA-5C7F-1024-AB4D-FD093D702232}"/>
+              </a:ext>
+            </a:extLst>
+          </p:cNvPr>
+          <p:cNvPicPr>
+            <a:picLocks noChangeAspect="1" noChangeArrowheads="1"/>
+          </p:cNvPicPr>
+          <p:nvPr/>
+        </p:nvPicPr>
+        <p:blipFill>
+          <a:blip r:embed="rId4">
+            <a:extLst>
+              <a:ext uri="{28A0092B-C50C-407E-A947-70E740481C1C}">
+                <a14:useLocalDpi xmlns:a14="http://schemas.microsoft.com/office/drawing/2010/main" val="0"/>
+              </a:ext>
+            </a:extLst>
+          </a:blip>
+          <a:srcRect/>
+          <a:stretch>
+            <a:fillRect/>
+          </a:stretch>
+        </p:blipFill>
+        <p:spPr bwMode="auto">
+          <a:xfrm>
+            <a:off x="421048" y="1345793"/>
+            <a:ext cx="1356361" cy="1356361"/>
+          </a:xfrm>
+          <a:prstGeom prst="rect">
+            <a:avLst/>
+          </a:prstGeom>
+          <a:noFill/>
+          <a:extLst>
+            <a:ext uri="{909E8E84-426E-40DD-AFC4-6F175D3DCCD1}">
+              <a14:hiddenFill xmlns:a14="http://schemas.microsoft.com/office/drawing/2010/main">
+                <a:solidFill>
+                  <a:srgbClr val="FFFFFF"/>
+                </a:solidFill>
+              </a14:hiddenFill>
+            </a:ext>
+          </a:extLst>
+        </p:spPr>
+      </p:pic>
+      <p:sp>
+        <p:nvSpPr>
+          <p:cNvPr id="9" name="ZoneTexte 8">
+            <a:extLst>
+              <a:ext uri="{FF2B5EF4-FFF2-40B4-BE49-F238E27FC236}">
+                <a16:creationId xmlns:a16="http://schemas.microsoft.com/office/drawing/2014/main" id="{DCF536F2-9060-E533-FF7C-B900F0366EFC}"/>
+              </a:ext>
+            </a:extLst>
+          </p:cNvPr>
+          <p:cNvSpPr txBox="1"/>
+          <p:nvPr/>
+        </p:nvSpPr>
+        <p:spPr>
+          <a:xfrm>
+            <a:off x="2314844" y="3935362"/>
+            <a:ext cx="4174365" cy="523220"/>
+          </a:xfrm>
+          <a:prstGeom prst="rect">
+            <a:avLst/>
+          </a:prstGeom>
+          <a:noFill/>
+        </p:spPr>
+        <p:txBody>
+          <a:bodyPr wrap="square">
+            <a:spAutoFit/>
+          </a:bodyPr>
+          <a:lstStyle/>
+          <a:p>
+            <a:pPr algn="just"/>
+            <a:r>
+              <a:rPr lang="fr-FR" sz="2800" b="1" dirty="0">
+                <a:effectLst/>
+                <a:latin typeface="Calibri" panose="020F0502020204030204" pitchFamily="34" charset="0"/>
+                <a:ea typeface="Calibri" panose="020F0502020204030204" pitchFamily="34" charset="0"/>
+                <a:cs typeface="Times New Roman" panose="02020603050405020304" pitchFamily="18" charset="0"/>
+              </a:rPr>
+              <a:t>5 attributs </a:t>
+            </a:r>
+            <a:r>
+              <a:rPr lang="fr-FR" sz="2800" dirty="0">
+                <a:effectLst/>
+                <a:latin typeface="Calibri" panose="020F0502020204030204" pitchFamily="34" charset="0"/>
+                <a:ea typeface="Calibri" panose="020F0502020204030204" pitchFamily="34" charset="0"/>
+                <a:cs typeface="Times New Roman" panose="02020603050405020304" pitchFamily="18" charset="0"/>
+              </a:rPr>
+              <a:t>et </a:t>
+            </a:r>
+            <a:r>
+              <a:rPr lang="fr-FR" sz="2800" b="1" dirty="0">
+                <a:effectLst/>
+                <a:latin typeface="Calibri" panose="020F0502020204030204" pitchFamily="34" charset="0"/>
+                <a:ea typeface="Calibri" panose="020F0502020204030204" pitchFamily="34" charset="0"/>
+                <a:cs typeface="Times New Roman" panose="02020603050405020304" pitchFamily="18" charset="0"/>
+              </a:rPr>
+              <a:t>2 fonctions </a:t>
+            </a:r>
+            <a:endParaRPr lang="fr-FR" sz="2000" b="1" dirty="0">
+              <a:effectLst/>
+              <a:latin typeface="Calibri" panose="020F0502020204030204" pitchFamily="34" charset="0"/>
+              <a:ea typeface="Calibri" panose="020F0502020204030204" pitchFamily="34" charset="0"/>
+              <a:cs typeface="Times New Roman" panose="02020603050405020304" pitchFamily="18" charset="0"/>
+            </a:endParaRPr>
+          </a:p>
+        </p:txBody>
+      </p:sp>
+      <p:pic>
+        <p:nvPicPr>
+          <p:cNvPr id="4098" name="Picture 2">
+            <a:extLst>
+              <a:ext uri="{FF2B5EF4-FFF2-40B4-BE49-F238E27FC236}">
+                <a16:creationId xmlns:a16="http://schemas.microsoft.com/office/drawing/2014/main" id="{A3EC621F-81F1-59DB-D9AE-4E4FE54A302D}"/>
+              </a:ext>
+            </a:extLst>
+          </p:cNvPr>
+          <p:cNvPicPr>
+            <a:picLocks noChangeAspect="1" noChangeArrowheads="1"/>
+          </p:cNvPicPr>
+          <p:nvPr/>
+        </p:nvPicPr>
+        <p:blipFill>
+          <a:blip r:embed="rId5">
+            <a:extLst>
+              <a:ext uri="{28A0092B-C50C-407E-A947-70E740481C1C}">
+                <a14:useLocalDpi xmlns:a14="http://schemas.microsoft.com/office/drawing/2010/main" val="0"/>
+              </a:ext>
+            </a:extLst>
+          </a:blip>
+          <a:srcRect/>
+          <a:stretch>
+            <a:fillRect/>
+          </a:stretch>
+        </p:blipFill>
+        <p:spPr bwMode="auto">
+          <a:xfrm>
+            <a:off x="421048" y="3397656"/>
+            <a:ext cx="1262430" cy="1262430"/>
+          </a:xfrm>
+          <a:prstGeom prst="rect">
+            <a:avLst/>
+          </a:prstGeom>
+          <a:noFill/>
+          <a:extLst>
+            <a:ext uri="{909E8E84-426E-40DD-AFC4-6F175D3DCCD1}">
+              <a14:hiddenFill xmlns:a14="http://schemas.microsoft.com/office/drawing/2010/main">
+                <a:solidFill>
+                  <a:srgbClr val="FFFFFF"/>
+                </a:solidFill>
+              </a14:hiddenFill>
+            </a:ext>
+          </a:extLst>
+        </p:spPr>
+      </p:pic>
+      <p:sp>
+        <p:nvSpPr>
+          <p:cNvPr id="12" name="ZoneTexte 11">
+            <a:extLst>
+              <a:ext uri="{FF2B5EF4-FFF2-40B4-BE49-F238E27FC236}">
+                <a16:creationId xmlns:a16="http://schemas.microsoft.com/office/drawing/2014/main" id="{B69D8AA0-4024-502C-A533-871AFFD625B9}"/>
+              </a:ext>
+            </a:extLst>
+          </p:cNvPr>
+          <p:cNvSpPr txBox="1"/>
+          <p:nvPr/>
+        </p:nvSpPr>
+        <p:spPr>
+          <a:xfrm>
+            <a:off x="2369995" y="5600943"/>
+            <a:ext cx="7452009" cy="1015663"/>
+          </a:xfrm>
+          <a:prstGeom prst="rect">
+            <a:avLst/>
+          </a:prstGeom>
+          <a:noFill/>
+        </p:spPr>
+        <p:txBody>
+          <a:bodyPr wrap="square">
+            <a:spAutoFit/>
+          </a:bodyPr>
+          <a:lstStyle/>
+          <a:p>
+            <a:r>
+              <a:rPr lang="fr-FR" sz="2000" dirty="0">
+                <a:latin typeface="Calibri" panose="020F0502020204030204" pitchFamily="34" charset="0"/>
+                <a:ea typeface="Calibri" panose="020F0502020204030204" pitchFamily="34" charset="0"/>
+                <a:cs typeface="Times New Roman" panose="02020603050405020304" pitchFamily="18" charset="0"/>
+              </a:rPr>
+              <a:t>Sortie : qualité du modèle, l’écart-type, la taille du jeu de test, le nombre de prédictions sur les données réussies et le nombre de ratées.</a:t>
+            </a:r>
+          </a:p>
+        </p:txBody>
+      </p:sp>
+      <p:pic>
+        <p:nvPicPr>
+          <p:cNvPr id="4102" name="Picture 6" descr="Return Button png images | PNGWing">
+            <a:extLst>
+              <a:ext uri="{FF2B5EF4-FFF2-40B4-BE49-F238E27FC236}">
+                <a16:creationId xmlns:a16="http://schemas.microsoft.com/office/drawing/2014/main" id="{5F56B6E7-9CAA-3391-A692-DB38950EA217}"/>
+              </a:ext>
+            </a:extLst>
+          </p:cNvPr>
+          <p:cNvPicPr>
+            <a:picLocks noChangeAspect="1" noChangeArrowheads="1"/>
+          </p:cNvPicPr>
+          <p:nvPr/>
+        </p:nvPicPr>
+        <p:blipFill>
+          <a:blip r:embed="rId6">
+            <a:extLst>
+              <a:ext uri="{BEBA8EAE-BF5A-486C-A8C5-ECC9F3942E4B}">
+                <a14:imgProps xmlns:a14="http://schemas.microsoft.com/office/drawing/2010/main">
+                  <a14:imgLayer r:embed="rId7">
+                    <a14:imgEffect>
+                      <a14:backgroundRemoval t="3587" b="97283" l="10000" r="90000">
+                        <a14:foregroundMark x1="44239" y1="9674" x2="44239" y2="9674"/>
+                        <a14:foregroundMark x1="44239" y1="9674" x2="44239" y2="9674"/>
+                        <a14:foregroundMark x1="45000" y1="6413" x2="45000" y2="6413"/>
+                        <a14:foregroundMark x1="45000" y1="6413" x2="45000" y2="6413"/>
+                        <a14:foregroundMark x1="50543" y1="10326" x2="50543" y2="10326"/>
+                        <a14:foregroundMark x1="50543" y1="10326" x2="50543" y2="10326"/>
+                        <a14:foregroundMark x1="51630" y1="3587" x2="51630" y2="3587"/>
+                        <a14:foregroundMark x1="51630" y1="3587" x2="51630" y2="3587"/>
+                        <a14:foregroundMark x1="41739" y1="92717" x2="41739" y2="92717"/>
+                        <a14:foregroundMark x1="41739" y1="92717" x2="41739" y2="92717"/>
+                        <a14:foregroundMark x1="38152" y1="97283" x2="38152" y2="97283"/>
+                        <a14:foregroundMark x1="38152" y1="97283" x2="38152" y2="97283"/>
+                      </a14:backgroundRemoval>
+                    </a14:imgEffect>
+                  </a14:imgLayer>
+                </a14:imgProps>
+              </a:ext>
+              <a:ext uri="{28A0092B-C50C-407E-A947-70E740481C1C}">
+                <a14:useLocalDpi xmlns:a14="http://schemas.microsoft.com/office/drawing/2010/main" val="0"/>
+              </a:ext>
+            </a:extLst>
+          </a:blip>
+          <a:srcRect/>
+          <a:stretch>
+            <a:fillRect/>
+          </a:stretch>
+        </p:blipFill>
+        <p:spPr bwMode="auto">
+          <a:xfrm>
+            <a:off x="531073" y="5445067"/>
+            <a:ext cx="1262430" cy="1262430"/>
+          </a:xfrm>
+          <a:prstGeom prst="rect">
+            <a:avLst/>
+          </a:prstGeom>
+          <a:noFill/>
+          <a:extLst>
+            <a:ext uri="{909E8E84-426E-40DD-AFC4-6F175D3DCCD1}">
+              <a14:hiddenFill xmlns:a14="http://schemas.microsoft.com/office/drawing/2010/main">
+                <a:solidFill>
+                  <a:srgbClr val="FFFFFF"/>
+                </a:solidFill>
+              </a14:hiddenFill>
+            </a:ext>
+          </a:extLst>
+        </p:spPr>
+      </p:pic>
+    </p:spTree>
+    <p:extLst>
+      <p:ext uri="{BB962C8B-B14F-4D97-AF65-F5344CB8AC3E}">
+        <p14:creationId xmlns:p14="http://schemas.microsoft.com/office/powerpoint/2010/main" val="973509161"/>
+      </p:ext>
+    </p:extLst>
+  </p:cSld>
+  <p:clrMapOvr>
+    <a:masterClrMapping/>
+  </p:clrMapOvr>
+</p:sld>
+</file>
+
+<file path=ppt/slides/slide11.xml><?xml version="1.0" encoding="utf-8"?>
+<p:sld xmlns:a="http://schemas.openxmlformats.org/drawingml/2006/main" xmlns:r="http://schemas.openxmlformats.org/officeDocument/2006/relationships" xmlns:p="http://schemas.openxmlformats.org/presentationml/2006/main">
+  <p:cSld>
+    <p:spTree>
+      <p:nvGrpSpPr>
+        <p:cNvPr id="1" name=""/>
+        <p:cNvGrpSpPr/>
+        <p:nvPr/>
+      </p:nvGrpSpPr>
+      <p:grpSpPr>
+        <a:xfrm>
+          <a:off x="0" y="0"/>
+          <a:ext cx="0" cy="0"/>
+          <a:chOff x="0" y="0"/>
+          <a:chExt cx="0" cy="0"/>
+        </a:xfrm>
+      </p:grpSpPr>
+      <p:sp>
+        <p:nvSpPr>
+          <p:cNvPr id="3" name="Sous-titre 2">
+            <a:extLst>
+              <a:ext uri="{FF2B5EF4-FFF2-40B4-BE49-F238E27FC236}">
+                <a16:creationId xmlns:a16="http://schemas.microsoft.com/office/drawing/2014/main" id="{30EDCDC4-4749-4F5E-9FD1-6F1AA13C6E79}"/>
+              </a:ext>
+            </a:extLst>
+          </p:cNvPr>
+          <p:cNvSpPr>
+            <a:spLocks noGrp="1"/>
+          </p:cNvSpPr>
+          <p:nvPr>
+            <p:ph type="subTitle" idx="1"/>
+          </p:nvPr>
+        </p:nvSpPr>
+        <p:spPr>
+          <a:xfrm>
+            <a:off x="622853" y="604079"/>
+            <a:ext cx="9144000" cy="535608"/>
+          </a:xfrm>
+        </p:spPr>
+        <p:txBody>
+          <a:bodyPr/>
+          <a:lstStyle/>
+          <a:p>
+            <a:pPr algn="l"/>
+            <a:r>
+              <a:rPr lang="fr-FR" dirty="0">
+                <a:latin typeface="Arial" panose="020B0604020202020204" pitchFamily="34" charset="0"/>
+                <a:cs typeface="Arial" panose="020B0604020202020204" pitchFamily="34" charset="0"/>
+              </a:rPr>
+              <a:t>V. </a:t>
+            </a:r>
+            <a:r>
+              <a:rPr lang="fr-FR" dirty="0"/>
+              <a:t>Conclusion</a:t>
+            </a:r>
+            <a:endParaRPr lang="fr-FR" dirty="0">
+              <a:latin typeface="Arial" panose="020B0604020202020204" pitchFamily="34" charset="0"/>
+              <a:cs typeface="Arial" panose="020B0604020202020204" pitchFamily="34" charset="0"/>
+            </a:endParaRPr>
+          </a:p>
+        </p:txBody>
+      </p:sp>
+      <p:pic>
+        <p:nvPicPr>
+          <p:cNvPr id="1026" name="Picture 2" descr="Cnam Nouvelle-Aquitaine - French Tech Bordeaux">
+            <a:extLst>
+              <a:ext uri="{FF2B5EF4-FFF2-40B4-BE49-F238E27FC236}">
+                <a16:creationId xmlns:a16="http://schemas.microsoft.com/office/drawing/2014/main" id="{EEA99775-8044-4C74-9886-A962AED4A272}"/>
+              </a:ext>
+            </a:extLst>
+          </p:cNvPr>
+          <p:cNvPicPr>
+            <a:picLocks noChangeAspect="1" noChangeArrowheads="1"/>
+          </p:cNvPicPr>
+          <p:nvPr/>
+        </p:nvPicPr>
+        <p:blipFill>
+          <a:blip r:embed="rId2">
+            <a:extLst>
+              <a:ext uri="{28A0092B-C50C-407E-A947-70E740481C1C}">
+                <a14:useLocalDpi xmlns:a14="http://schemas.microsoft.com/office/drawing/2010/main" val="0"/>
+              </a:ext>
+            </a:extLst>
+          </a:blip>
+          <a:srcRect/>
+          <a:stretch>
+            <a:fillRect/>
+          </a:stretch>
+        </p:blipFill>
+        <p:spPr bwMode="auto">
+          <a:xfrm>
+            <a:off x="9053406" y="5533921"/>
+            <a:ext cx="2515741" cy="720000"/>
+          </a:xfrm>
+          <a:prstGeom prst="rect">
+            <a:avLst/>
+          </a:prstGeom>
+          <a:noFill/>
+          <a:extLst>
+            <a:ext uri="{909E8E84-426E-40DD-AFC4-6F175D3DCCD1}">
+              <a14:hiddenFill xmlns:a14="http://schemas.microsoft.com/office/drawing/2010/main">
+                <a:solidFill>
+                  <a:srgbClr val="FFFFFF"/>
+                </a:solidFill>
+              </a14:hiddenFill>
+            </a:ext>
+          </a:extLst>
+        </p:spPr>
+      </p:pic>
+      <p:sp>
+        <p:nvSpPr>
+          <p:cNvPr id="8" name="Espace réservé du numéro de diapositive 7">
+            <a:extLst>
+              <a:ext uri="{FF2B5EF4-FFF2-40B4-BE49-F238E27FC236}">
+                <a16:creationId xmlns:a16="http://schemas.microsoft.com/office/drawing/2014/main" id="{C25A451F-5593-4D1D-A24B-805DA5481D44}"/>
+              </a:ext>
+            </a:extLst>
+          </p:cNvPr>
+          <p:cNvSpPr>
+            <a:spLocks noGrp="1"/>
+          </p:cNvSpPr>
+          <p:nvPr>
+            <p:ph type="sldNum" sz="quarter" idx="12"/>
+          </p:nvPr>
+        </p:nvSpPr>
+        <p:spPr>
+          <a:xfrm>
+            <a:off x="4724400" y="6174372"/>
+            <a:ext cx="2743200" cy="365125"/>
+          </a:xfrm>
+        </p:spPr>
+        <p:txBody>
+          <a:bodyPr/>
+          <a:lstStyle/>
+          <a:p>
+            <a:pPr algn="ctr"/>
+            <a:fld id="{69BB7C2E-B2EC-41C4-ADA1-E8A41B69DF67}" type="slidenum">
+              <a:rPr lang="fr-FR" sz="1600" smtClean="0">
+                <a:solidFill>
+                  <a:schemeClr val="tx1"/>
+                </a:solidFill>
+                <a:latin typeface="Arial" panose="020B0604020202020204" pitchFamily="34" charset="0"/>
+                <a:cs typeface="Arial" panose="020B0604020202020204" pitchFamily="34" charset="0"/>
+              </a:rPr>
+              <a:pPr algn="ctr"/>
+              <a:t>11</a:t>
+            </a:fld>
+            <a:endParaRPr lang="fr-FR" sz="1600" dirty="0">
+              <a:solidFill>
+                <a:schemeClr val="tx1"/>
+              </a:solidFill>
+              <a:latin typeface="Arial" panose="020B0604020202020204" pitchFamily="34" charset="0"/>
+              <a:cs typeface="Arial" panose="020B0604020202020204" pitchFamily="34" charset="0"/>
+            </a:endParaRPr>
+          </a:p>
+        </p:txBody>
+      </p:sp>
+      <p:sp>
+        <p:nvSpPr>
+          <p:cNvPr id="13" name="Sous-titre 2">
+            <a:extLst>
+              <a:ext uri="{FF2B5EF4-FFF2-40B4-BE49-F238E27FC236}">
+                <a16:creationId xmlns:a16="http://schemas.microsoft.com/office/drawing/2014/main" id="{D8657817-162E-4152-9305-559C5784FBB9}"/>
+              </a:ext>
+            </a:extLst>
+          </p:cNvPr>
+          <p:cNvSpPr txBox="1">
+            <a:spLocks/>
+          </p:cNvSpPr>
+          <p:nvPr/>
+        </p:nvSpPr>
+        <p:spPr>
+          <a:xfrm>
+            <a:off x="622853" y="1192695"/>
+            <a:ext cx="10946294" cy="4678716"/>
+          </a:xfrm>
+          <a:prstGeom prst="rect">
+            <a:avLst/>
+          </a:prstGeom>
+        </p:spPr>
+        <p:txBody>
+          <a:bodyPr vert="horz" lIns="91440" tIns="45720" rIns="91440" bIns="45720" rtlCol="0">
+            <a:normAutofit/>
+          </a:bodyPr>
+          <a:lstStyle>
+            <a:lvl1pPr marL="0" indent="0" algn="ctr" defTabSz="914400" rtl="0" eaLnBrk="1" latinLnBrk="0" hangingPunct="1">
+              <a:lnSpc>
+                <a:spcPct val="90000"/>
+              </a:lnSpc>
+              <a:spcBef>
+                <a:spcPts val="1000"/>
+              </a:spcBef>
+              <a:buFont typeface="Arial" panose="020B0604020202020204" pitchFamily="34" charset="0"/>
+              <a:buNone/>
+              <a:defRPr sz="2400" kern="1200">
+                <a:solidFill>
+                  <a:schemeClr val="tx1"/>
+                </a:solidFill>
+                <a:latin typeface="+mn-lt"/>
+                <a:ea typeface="+mn-ea"/>
+                <a:cs typeface="+mn-cs"/>
+              </a:defRPr>
+            </a:lvl1pPr>
+            <a:lvl2pPr marL="457200" indent="0" algn="ctr" defTabSz="914400" rtl="0" eaLnBrk="1" latinLnBrk="0" hangingPunct="1">
+              <a:lnSpc>
+                <a:spcPct val="90000"/>
+              </a:lnSpc>
+              <a:spcBef>
+                <a:spcPts val="500"/>
+              </a:spcBef>
+              <a:buFont typeface="Arial" panose="020B0604020202020204" pitchFamily="34" charset="0"/>
+              <a:buNone/>
+              <a:defRPr sz="2000" kern="1200">
+                <a:solidFill>
+                  <a:schemeClr val="tx1"/>
+                </a:solidFill>
+                <a:latin typeface="+mn-lt"/>
+                <a:ea typeface="+mn-ea"/>
+                <a:cs typeface="+mn-cs"/>
+              </a:defRPr>
+            </a:lvl2pPr>
+            <a:lvl3pPr marL="914400" indent="0" algn="ctr" defTabSz="914400" rtl="0" eaLnBrk="1" latinLnBrk="0" hangingPunct="1">
+              <a:lnSpc>
+                <a:spcPct val="90000"/>
+              </a:lnSpc>
+              <a:spcBef>
+                <a:spcPts val="500"/>
+              </a:spcBef>
+              <a:buFont typeface="Arial" panose="020B0604020202020204" pitchFamily="34" charset="0"/>
+              <a:buNone/>
+              <a:defRPr sz="1800" kern="1200">
+                <a:solidFill>
+                  <a:schemeClr val="tx1"/>
+                </a:solidFill>
+                <a:latin typeface="+mn-lt"/>
+                <a:ea typeface="+mn-ea"/>
+                <a:cs typeface="+mn-cs"/>
+              </a:defRPr>
+            </a:lvl3pPr>
+            <a:lvl4pPr marL="1371600" indent="0" algn="ctr" defTabSz="914400" rtl="0" eaLnBrk="1" latinLnBrk="0" hangingPunct="1">
+              <a:lnSpc>
+                <a:spcPct val="90000"/>
+              </a:lnSpc>
+              <a:spcBef>
+                <a:spcPts val="500"/>
+              </a:spcBef>
+              <a:buFont typeface="Arial" panose="020B0604020202020204" pitchFamily="34" charset="0"/>
+              <a:buNone/>
+              <a:defRPr sz="1600" kern="1200">
+                <a:solidFill>
+                  <a:schemeClr val="tx1"/>
+                </a:solidFill>
+                <a:latin typeface="+mn-lt"/>
+                <a:ea typeface="+mn-ea"/>
+                <a:cs typeface="+mn-cs"/>
+              </a:defRPr>
+            </a:lvl4pPr>
+            <a:lvl5pPr marL="1828800" indent="0" algn="ctr" defTabSz="914400" rtl="0" eaLnBrk="1" latinLnBrk="0" hangingPunct="1">
+              <a:lnSpc>
+                <a:spcPct val="90000"/>
+              </a:lnSpc>
+              <a:spcBef>
+                <a:spcPts val="500"/>
+              </a:spcBef>
+              <a:buFont typeface="Arial" panose="020B0604020202020204" pitchFamily="34" charset="0"/>
+              <a:buNone/>
+              <a:defRPr sz="1600" kern="1200">
+                <a:solidFill>
+                  <a:schemeClr val="tx1"/>
+                </a:solidFill>
+                <a:latin typeface="+mn-lt"/>
+                <a:ea typeface="+mn-ea"/>
+                <a:cs typeface="+mn-cs"/>
+              </a:defRPr>
+            </a:lvl5pPr>
+            <a:lvl6pPr marL="2286000" indent="0" algn="ctr" defTabSz="914400" rtl="0" eaLnBrk="1" latinLnBrk="0" hangingPunct="1">
+              <a:lnSpc>
+                <a:spcPct val="90000"/>
+              </a:lnSpc>
+              <a:spcBef>
+                <a:spcPts val="500"/>
+              </a:spcBef>
+              <a:buFont typeface="Arial" panose="020B0604020202020204" pitchFamily="34" charset="0"/>
+              <a:buNone/>
+              <a:defRPr sz="1600" kern="1200">
+                <a:solidFill>
+                  <a:schemeClr val="tx1"/>
+                </a:solidFill>
+                <a:latin typeface="+mn-lt"/>
+                <a:ea typeface="+mn-ea"/>
+                <a:cs typeface="+mn-cs"/>
+              </a:defRPr>
+            </a:lvl6pPr>
+            <a:lvl7pPr marL="2743200" indent="0" algn="ctr" defTabSz="914400" rtl="0" eaLnBrk="1" latinLnBrk="0" hangingPunct="1">
+              <a:lnSpc>
+                <a:spcPct val="90000"/>
+              </a:lnSpc>
+              <a:spcBef>
+                <a:spcPts val="500"/>
+              </a:spcBef>
+              <a:buFont typeface="Arial" panose="020B0604020202020204" pitchFamily="34" charset="0"/>
+              <a:buNone/>
+              <a:defRPr sz="1600" kern="1200">
+                <a:solidFill>
+                  <a:schemeClr val="tx1"/>
+                </a:solidFill>
+                <a:latin typeface="+mn-lt"/>
+                <a:ea typeface="+mn-ea"/>
+                <a:cs typeface="+mn-cs"/>
+              </a:defRPr>
+            </a:lvl7pPr>
+            <a:lvl8pPr marL="3200400" indent="0" algn="ctr" defTabSz="914400" rtl="0" eaLnBrk="1" latinLnBrk="0" hangingPunct="1">
+              <a:lnSpc>
+                <a:spcPct val="90000"/>
+              </a:lnSpc>
+              <a:spcBef>
+                <a:spcPts val="500"/>
+              </a:spcBef>
+              <a:buFont typeface="Arial" panose="020B0604020202020204" pitchFamily="34" charset="0"/>
+              <a:buNone/>
+              <a:defRPr sz="1600" kern="1200">
+                <a:solidFill>
+                  <a:schemeClr val="tx1"/>
+                </a:solidFill>
+                <a:latin typeface="+mn-lt"/>
+                <a:ea typeface="+mn-ea"/>
+                <a:cs typeface="+mn-cs"/>
+              </a:defRPr>
+            </a:lvl8pPr>
+            <a:lvl9pPr marL="3657600" indent="0" algn="ctr" defTabSz="914400" rtl="0" eaLnBrk="1" latinLnBrk="0" hangingPunct="1">
+              <a:lnSpc>
+                <a:spcPct val="90000"/>
+              </a:lnSpc>
+              <a:spcBef>
+                <a:spcPts val="500"/>
+              </a:spcBef>
+              <a:buFont typeface="Arial" panose="020B0604020202020204" pitchFamily="34" charset="0"/>
+              <a:buNone/>
+              <a:defRPr sz="1600" kern="1200">
+                <a:solidFill>
+                  <a:schemeClr val="tx1"/>
+                </a:solidFill>
+                <a:latin typeface="+mn-lt"/>
+                <a:ea typeface="+mn-ea"/>
+                <a:cs typeface="+mn-cs"/>
+              </a:defRPr>
+            </a:lvl9pPr>
+          </a:lstStyle>
+          <a:p>
+            <a:pPr marL="285750" indent="-285750" algn="l">
+              <a:lnSpc>
+                <a:spcPct val="150000"/>
+              </a:lnSpc>
+              <a:buFont typeface="Arial" panose="020B0604020202020204" pitchFamily="34" charset="0"/>
+              <a:buChar char="•"/>
+            </a:pPr>
+            <a:r>
+              <a:rPr lang="fr-FR" dirty="0"/>
+              <a:t>Comparaison des résultats obtenus avec les modèles de machine </a:t>
+            </a:r>
+            <a:r>
+              <a:rPr lang="fr-FR" dirty="0" err="1"/>
+              <a:t>learning</a:t>
+            </a:r>
+            <a:r>
+              <a:rPr lang="fr-FR" dirty="0"/>
+              <a:t> et de </a:t>
+            </a:r>
+            <a:r>
+              <a:rPr lang="fr-FR" dirty="0" err="1"/>
+              <a:t>deep</a:t>
+            </a:r>
+            <a:r>
+              <a:rPr lang="fr-FR" dirty="0"/>
+              <a:t> </a:t>
+            </a:r>
+            <a:r>
+              <a:rPr lang="fr-FR" dirty="0" err="1"/>
+              <a:t>learning</a:t>
+            </a:r>
+            <a:r>
+              <a:rPr lang="fr-FR" dirty="0"/>
+              <a:t>.</a:t>
+            </a:r>
+          </a:p>
+          <a:p>
+            <a:pPr marL="285750" indent="-285750" algn="l">
+              <a:lnSpc>
+                <a:spcPct val="150000"/>
+              </a:lnSpc>
+              <a:buFont typeface="Arial" panose="020B0604020202020204" pitchFamily="34" charset="0"/>
+              <a:buChar char="•"/>
+            </a:pPr>
+            <a:r>
+              <a:rPr lang="fr-FR" dirty="0"/>
+              <a:t>Limites du projet et </a:t>
+            </a:r>
+            <a:r>
+              <a:rPr lang="fr-FR"/>
+              <a:t>pistes d'amélioration.</a:t>
+            </a:r>
+            <a:endParaRPr lang="en-US" sz="1600" dirty="0">
+              <a:latin typeface="Arial" panose="020B0604020202020204" pitchFamily="34" charset="0"/>
+              <a:cs typeface="Arial" panose="020B0604020202020204" pitchFamily="34" charset="0"/>
+            </a:endParaRPr>
+          </a:p>
+        </p:txBody>
+      </p:sp>
+    </p:spTree>
+    <p:extLst>
+      <p:ext uri="{BB962C8B-B14F-4D97-AF65-F5344CB8AC3E}">
+        <p14:creationId xmlns:p14="http://schemas.microsoft.com/office/powerpoint/2010/main" val="2141959274"/>
+      </p:ext>
+    </p:extLst>
+  </p:cSld>
+  <p:clrMapOvr>
+    <a:masterClrMapping/>
+  </p:clrMapOvr>
+</p:sld>
+</file>
+
 <file path=ppt/slides/slide2.xml><?xml version="1.0" encoding="utf-8"?>
 <p:sld xmlns:a="http://schemas.openxmlformats.org/drawingml/2006/main" xmlns:r="http://schemas.openxmlformats.org/officeDocument/2006/relationships" xmlns:p="http://schemas.openxmlformats.org/presentationml/2006/main">
   <p:cSld>
@@ -6009,7 +7296,7 @@
         </p:nvSpPr>
         <p:spPr>
           <a:xfrm>
-            <a:off x="622853" y="604079"/>
+            <a:off x="622853" y="274577"/>
             <a:ext cx="9144000" cy="535608"/>
           </a:xfrm>
         </p:spPr>
@@ -6049,7 +7336,7 @@
                 <a:latin typeface="Arial" panose="020B0604020202020204" pitchFamily="34" charset="0"/>
                 <a:cs typeface="Arial" panose="020B0604020202020204" pitchFamily="34" charset="0"/>
               </a:rPr>
-              <a:t>(1/2)</a:t>
+              <a:t>(Introduction)</a:t>
             </a:r>
           </a:p>
           <a:p>
@@ -6158,243 +7445,259 @@
       </p:sp>
       <p:sp>
         <p:nvSpPr>
-          <p:cNvPr id="13" name="Sous-titre 2">
-            <a:extLst>
-              <a:ext uri="{FF2B5EF4-FFF2-40B4-BE49-F238E27FC236}">
-                <a16:creationId xmlns:a16="http://schemas.microsoft.com/office/drawing/2014/main" id="{D8657817-162E-4152-9305-559C5784FBB9}"/>
-              </a:ext>
-            </a:extLst>
-          </p:cNvPr>
-          <p:cNvSpPr txBox="1">
-            <a:spLocks/>
-          </p:cNvSpPr>
+          <p:cNvPr id="4" name="ZoneTexte 3">
+            <a:extLst>
+              <a:ext uri="{FF2B5EF4-FFF2-40B4-BE49-F238E27FC236}">
+                <a16:creationId xmlns:a16="http://schemas.microsoft.com/office/drawing/2014/main" id="{B905F139-B7EA-892B-87B6-CE7E17F1AC45}"/>
+              </a:ext>
+            </a:extLst>
+          </p:cNvPr>
+          <p:cNvSpPr txBox="1"/>
           <p:nvPr/>
         </p:nvSpPr>
         <p:spPr>
           <a:xfrm>
-            <a:off x="622853" y="1192695"/>
-            <a:ext cx="10946294" cy="4678716"/>
+            <a:off x="391809" y="1416082"/>
+            <a:ext cx="7759147" cy="830997"/>
           </a:xfrm>
           <a:prstGeom prst="rect">
             <a:avLst/>
           </a:prstGeom>
+          <a:noFill/>
         </p:spPr>
         <p:txBody>
-          <a:bodyPr vert="horz" lIns="91440" tIns="45720" rIns="91440" bIns="45720" rtlCol="0">
-            <a:normAutofit/>
+          <a:bodyPr wrap="square">
+            <a:spAutoFit/>
           </a:bodyPr>
-          <a:lstStyle>
-            <a:lvl1pPr marL="0" indent="0" algn="ctr" defTabSz="914400" rtl="0" eaLnBrk="1" latinLnBrk="0" hangingPunct="1">
-              <a:lnSpc>
-                <a:spcPct val="90000"/>
-              </a:lnSpc>
-              <a:spcBef>
-                <a:spcPts val="1000"/>
-              </a:spcBef>
-              <a:buFont typeface="Arial" panose="020B0604020202020204" pitchFamily="34" charset="0"/>
-              <a:buNone/>
-              <a:defRPr sz="2400" kern="1200">
-                <a:solidFill>
-                  <a:schemeClr val="tx1"/>
-                </a:solidFill>
-                <a:latin typeface="+mn-lt"/>
-                <a:ea typeface="+mn-ea"/>
-                <a:cs typeface="+mn-cs"/>
-              </a:defRPr>
-            </a:lvl1pPr>
-            <a:lvl2pPr marL="457200" indent="0" algn="ctr" defTabSz="914400" rtl="0" eaLnBrk="1" latinLnBrk="0" hangingPunct="1">
-              <a:lnSpc>
-                <a:spcPct val="90000"/>
-              </a:lnSpc>
-              <a:spcBef>
-                <a:spcPts val="500"/>
-              </a:spcBef>
-              <a:buFont typeface="Arial" panose="020B0604020202020204" pitchFamily="34" charset="0"/>
-              <a:buNone/>
-              <a:defRPr sz="2000" kern="1200">
-                <a:solidFill>
-                  <a:schemeClr val="tx1"/>
-                </a:solidFill>
-                <a:latin typeface="+mn-lt"/>
-                <a:ea typeface="+mn-ea"/>
-                <a:cs typeface="+mn-cs"/>
-              </a:defRPr>
-            </a:lvl2pPr>
-            <a:lvl3pPr marL="914400" indent="0" algn="ctr" defTabSz="914400" rtl="0" eaLnBrk="1" latinLnBrk="0" hangingPunct="1">
-              <a:lnSpc>
-                <a:spcPct val="90000"/>
-              </a:lnSpc>
-              <a:spcBef>
-                <a:spcPts val="500"/>
-              </a:spcBef>
-              <a:buFont typeface="Arial" panose="020B0604020202020204" pitchFamily="34" charset="0"/>
-              <a:buNone/>
-              <a:defRPr sz="1800" kern="1200">
-                <a:solidFill>
-                  <a:schemeClr val="tx1"/>
-                </a:solidFill>
-                <a:latin typeface="+mn-lt"/>
-                <a:ea typeface="+mn-ea"/>
-                <a:cs typeface="+mn-cs"/>
-              </a:defRPr>
-            </a:lvl3pPr>
-            <a:lvl4pPr marL="1371600" indent="0" algn="ctr" defTabSz="914400" rtl="0" eaLnBrk="1" latinLnBrk="0" hangingPunct="1">
-              <a:lnSpc>
-                <a:spcPct val="90000"/>
-              </a:lnSpc>
-              <a:spcBef>
-                <a:spcPts val="500"/>
-              </a:spcBef>
-              <a:buFont typeface="Arial" panose="020B0604020202020204" pitchFamily="34" charset="0"/>
-              <a:buNone/>
-              <a:defRPr sz="1600" kern="1200">
-                <a:solidFill>
-                  <a:schemeClr val="tx1"/>
-                </a:solidFill>
-                <a:latin typeface="+mn-lt"/>
-                <a:ea typeface="+mn-ea"/>
-                <a:cs typeface="+mn-cs"/>
-              </a:defRPr>
-            </a:lvl4pPr>
-            <a:lvl5pPr marL="1828800" indent="0" algn="ctr" defTabSz="914400" rtl="0" eaLnBrk="1" latinLnBrk="0" hangingPunct="1">
-              <a:lnSpc>
-                <a:spcPct val="90000"/>
-              </a:lnSpc>
-              <a:spcBef>
-                <a:spcPts val="500"/>
-              </a:spcBef>
-              <a:buFont typeface="Arial" panose="020B0604020202020204" pitchFamily="34" charset="0"/>
-              <a:buNone/>
-              <a:defRPr sz="1600" kern="1200">
-                <a:solidFill>
-                  <a:schemeClr val="tx1"/>
-                </a:solidFill>
-                <a:latin typeface="+mn-lt"/>
-                <a:ea typeface="+mn-ea"/>
-                <a:cs typeface="+mn-cs"/>
-              </a:defRPr>
-            </a:lvl5pPr>
-            <a:lvl6pPr marL="2286000" indent="0" algn="ctr" defTabSz="914400" rtl="0" eaLnBrk="1" latinLnBrk="0" hangingPunct="1">
-              <a:lnSpc>
-                <a:spcPct val="90000"/>
-              </a:lnSpc>
-              <a:spcBef>
-                <a:spcPts val="500"/>
-              </a:spcBef>
-              <a:buFont typeface="Arial" panose="020B0604020202020204" pitchFamily="34" charset="0"/>
-              <a:buNone/>
-              <a:defRPr sz="1600" kern="1200">
-                <a:solidFill>
-                  <a:schemeClr val="tx1"/>
-                </a:solidFill>
-                <a:latin typeface="+mn-lt"/>
-                <a:ea typeface="+mn-ea"/>
-                <a:cs typeface="+mn-cs"/>
-              </a:defRPr>
-            </a:lvl6pPr>
-            <a:lvl7pPr marL="2743200" indent="0" algn="ctr" defTabSz="914400" rtl="0" eaLnBrk="1" latinLnBrk="0" hangingPunct="1">
-              <a:lnSpc>
-                <a:spcPct val="90000"/>
-              </a:lnSpc>
-              <a:spcBef>
-                <a:spcPts val="500"/>
-              </a:spcBef>
-              <a:buFont typeface="Arial" panose="020B0604020202020204" pitchFamily="34" charset="0"/>
-              <a:buNone/>
-              <a:defRPr sz="1600" kern="1200">
-                <a:solidFill>
-                  <a:schemeClr val="tx1"/>
-                </a:solidFill>
-                <a:latin typeface="+mn-lt"/>
-                <a:ea typeface="+mn-ea"/>
-                <a:cs typeface="+mn-cs"/>
-              </a:defRPr>
-            </a:lvl7pPr>
-            <a:lvl8pPr marL="3200400" indent="0" algn="ctr" defTabSz="914400" rtl="0" eaLnBrk="1" latinLnBrk="0" hangingPunct="1">
-              <a:lnSpc>
-                <a:spcPct val="90000"/>
-              </a:lnSpc>
-              <a:spcBef>
-                <a:spcPts val="500"/>
-              </a:spcBef>
-              <a:buFont typeface="Arial" panose="020B0604020202020204" pitchFamily="34" charset="0"/>
-              <a:buNone/>
-              <a:defRPr sz="1600" kern="1200">
-                <a:solidFill>
-                  <a:schemeClr val="tx1"/>
-                </a:solidFill>
-                <a:latin typeface="+mn-lt"/>
-                <a:ea typeface="+mn-ea"/>
-                <a:cs typeface="+mn-cs"/>
-              </a:defRPr>
-            </a:lvl8pPr>
-            <a:lvl9pPr marL="3657600" indent="0" algn="ctr" defTabSz="914400" rtl="0" eaLnBrk="1" latinLnBrk="0" hangingPunct="1">
-              <a:lnSpc>
-                <a:spcPct val="90000"/>
-              </a:lnSpc>
-              <a:spcBef>
-                <a:spcPts val="500"/>
-              </a:spcBef>
-              <a:buFont typeface="Arial" panose="020B0604020202020204" pitchFamily="34" charset="0"/>
-              <a:buNone/>
-              <a:defRPr sz="1600" kern="1200">
-                <a:solidFill>
-                  <a:schemeClr val="tx1"/>
-                </a:solidFill>
-                <a:latin typeface="+mn-lt"/>
-                <a:ea typeface="+mn-ea"/>
-                <a:cs typeface="+mn-cs"/>
-              </a:defRPr>
-            </a:lvl9pPr>
-          </a:lstStyle>
-          <a:p>
-            <a:pPr marL="285750" indent="-285750" algn="l">
-              <a:lnSpc>
-                <a:spcPct val="150000"/>
-              </a:lnSpc>
+          <a:lstStyle/>
+          <a:p>
+            <a:pPr marL="342900" indent="-342900" algn="just">
               <a:buFont typeface="Arial" panose="020B0604020202020204" pitchFamily="34" charset="0"/>
               <a:buChar char="•"/>
             </a:pPr>
             <a:r>
-              <a:rPr lang="fr-FR" dirty="0"/>
-              <a:t>Data </a:t>
-            </a:r>
-            <a:r>
-              <a:rPr lang="fr-FR" dirty="0" err="1"/>
-              <a:t>preparation</a:t>
-            </a:r>
-            <a:r>
-              <a:rPr lang="fr-FR" dirty="0"/>
-              <a:t> : utilisation d’une classe "</a:t>
-            </a:r>
-            <a:r>
-              <a:rPr lang="fr-FR" dirty="0" err="1"/>
-              <a:t>ArrayData</a:t>
-            </a:r>
-            <a:r>
-              <a:rPr lang="fr-FR" dirty="0"/>
-              <a:t>" pour extraire un maximum de données de chaque image de carte de séjour, et création d’une base de données à entraîner sur un modèle de réseau de neurones convolutif. </a:t>
-            </a:r>
-          </a:p>
-          <a:p>
-            <a:pPr marL="285750" indent="-285750" algn="l">
-              <a:lnSpc>
-                <a:spcPct val="150000"/>
-              </a:lnSpc>
+              <a:rPr lang="fr-FR" sz="2400" dirty="0" err="1"/>
+              <a:t>Deep</a:t>
+            </a:r>
+            <a:r>
+              <a:rPr lang="fr-FR" sz="2400" dirty="0"/>
+              <a:t> Learning : un sous-ensemble du machine </a:t>
+            </a:r>
+            <a:r>
+              <a:rPr lang="fr-FR" sz="2400" dirty="0" err="1"/>
+              <a:t>learning</a:t>
+            </a:r>
+            <a:r>
+              <a:rPr lang="fr-FR" sz="2400" dirty="0"/>
+              <a:t> basé sur les réseaux neuronaux.</a:t>
+            </a:r>
+          </a:p>
+        </p:txBody>
+      </p:sp>
+      <p:pic>
+        <p:nvPicPr>
+          <p:cNvPr id="5" name="Picture 2" descr="Deep Learning vs. Machine Learning — What's the Difference ...">
+            <a:extLst>
+              <a:ext uri="{FF2B5EF4-FFF2-40B4-BE49-F238E27FC236}">
+                <a16:creationId xmlns:a16="http://schemas.microsoft.com/office/drawing/2014/main" id="{07F2038F-282A-0C4A-27A3-09FB3834CB73}"/>
+              </a:ext>
+            </a:extLst>
+          </p:cNvPr>
+          <p:cNvPicPr>
+            <a:picLocks noChangeAspect="1" noChangeArrowheads="1"/>
+          </p:cNvPicPr>
+          <p:nvPr/>
+        </p:nvPicPr>
+        <p:blipFill rotWithShape="1">
+          <a:blip r:embed="rId3">
+            <a:extLst>
+              <a:ext uri="{BEBA8EAE-BF5A-486C-A8C5-ECC9F3942E4B}">
+                <a14:imgProps xmlns:a14="http://schemas.microsoft.com/office/drawing/2010/main">
+                  <a14:imgLayer r:embed="rId4">
+                    <a14:imgEffect>
+                      <a14:backgroundRemoval t="8631" b="88690" l="40759" r="94406">
+                        <a14:foregroundMark x1="51049" y1="37500" x2="60839" y2="24405"/>
+                        <a14:foregroundMark x1="60839" y1="24405" x2="66034" y2="20833"/>
+                        <a14:foregroundMark x1="83317" y1="35863" x2="68631" y2="27083"/>
+                        <a14:foregroundMark x1="68631" y1="27083" x2="70030" y2="22470"/>
+                        <a14:foregroundMark x1="84815" y1="29911" x2="68731" y2="25744"/>
+                        <a14:foregroundMark x1="68731" y1="25744" x2="77123" y2="21280"/>
+                        <a14:foregroundMark x1="77123" y1="21280" x2="60839" y2="20536"/>
+                        <a14:foregroundMark x1="60839" y1="20536" x2="61838" y2="22173"/>
+                        <a14:foregroundMark x1="47053" y1="29613" x2="63337" y2="25893"/>
+                        <a14:foregroundMark x1="63337" y1="25893" x2="51748" y2="51786"/>
+                        <a14:foregroundMark x1="51748" y1="51786" x2="52048" y2="70387"/>
+                        <a14:foregroundMark x1="52048" y1="70387" x2="45554" y2="56696"/>
+                        <a14:foregroundMark x1="45554" y1="56696" x2="57642" y2="23214"/>
+                        <a14:foregroundMark x1="57642" y1="23214" x2="70729" y2="13690"/>
+                        <a14:foregroundMark x1="70729" y1="13690" x2="85514" y2="21429"/>
+                        <a14:foregroundMark x1="85514" y1="21429" x2="91309" y2="57738"/>
+                        <a14:foregroundMark x1="91309" y1="57738" x2="86114" y2="65774"/>
+                        <a14:foregroundMark x1="86913" y1="60417" x2="90110" y2="38839"/>
+                        <a14:foregroundMark x1="90110" y1="38839" x2="80320" y2="23214"/>
+                        <a14:foregroundMark x1="80320" y1="23214" x2="58541" y2="17411"/>
+                        <a14:foregroundMark x1="58541" y1="17411" x2="47253" y2="32589"/>
+                        <a14:foregroundMark x1="47253" y1="32589" x2="43457" y2="56250"/>
+                        <a14:foregroundMark x1="43457" y1="56250" x2="52547" y2="76190"/>
+                        <a14:foregroundMark x1="46454" y1="62946" x2="43656" y2="40030"/>
+                        <a14:foregroundMark x1="43656" y1="40030" x2="52947" y2="21429"/>
+                        <a14:foregroundMark x1="52947" y1="21429" x2="65834" y2="14286"/>
+                        <a14:foregroundMark x1="65834" y1="14286" x2="75225" y2="14286"/>
+                        <a14:foregroundMark x1="75225" y1="14286" x2="83816" y2="19792"/>
+                        <a14:foregroundMark x1="83816" y1="19792" x2="88711" y2="30952"/>
+                        <a14:foregroundMark x1="88711" y1="30952" x2="91908" y2="56101"/>
+                        <a14:foregroundMark x1="91908" y1="56101" x2="91009" y2="63542"/>
+                        <a14:foregroundMark x1="92208" y1="51339" x2="94705" y2="40327"/>
+                        <a14:foregroundMark x1="66933" y1="8631" x2="66933" y2="8631"/>
+                        <a14:foregroundMark x1="66933" y1="8631" x2="66933" y2="8631"/>
+                        <a14:foregroundMark x1="40959" y1="52232" x2="40959" y2="52232"/>
+                        <a14:foregroundMark x1="40959" y1="52232" x2="40959" y2="52232"/>
+                        <a14:foregroundMark x1="66733" y1="88393" x2="66733" y2="88393"/>
+                        <a14:foregroundMark x1="66533" y1="88690" x2="66533" y2="88690"/>
+                      </a14:backgroundRemoval>
+                    </a14:imgEffect>
+                  </a14:imgLayer>
+                </a14:imgProps>
+              </a:ext>
+              <a:ext uri="{28A0092B-C50C-407E-A947-70E740481C1C}">
+                <a14:useLocalDpi xmlns:a14="http://schemas.microsoft.com/office/drawing/2010/main" val="0"/>
+              </a:ext>
+            </a:extLst>
+          </a:blip>
+          <a:srcRect l="37425" t="1404" r="131" b="7109"/>
+          <a:stretch/>
+        </p:blipFill>
+        <p:spPr bwMode="auto">
+          <a:xfrm>
+            <a:off x="8438497" y="0"/>
+            <a:ext cx="3745558" cy="3683975"/>
+          </a:xfrm>
+          <a:prstGeom prst="rect">
+            <a:avLst/>
+          </a:prstGeom>
+          <a:noFill/>
+          <a:extLst>
+            <a:ext uri="{909E8E84-426E-40DD-AFC4-6F175D3DCCD1}">
+              <a14:hiddenFill xmlns:a14="http://schemas.microsoft.com/office/drawing/2010/main">
+                <a:solidFill>
+                  <a:srgbClr val="FFFFFF"/>
+                </a:solidFill>
+              </a14:hiddenFill>
+            </a:ext>
+          </a:extLst>
+        </p:spPr>
+      </p:pic>
+      <p:sp>
+        <p:nvSpPr>
+          <p:cNvPr id="7" name="ZoneTexte 6">
+            <a:extLst>
+              <a:ext uri="{FF2B5EF4-FFF2-40B4-BE49-F238E27FC236}">
+                <a16:creationId xmlns:a16="http://schemas.microsoft.com/office/drawing/2014/main" id="{D57C29AE-77ED-47F8-3FAF-41DFF7F37C54}"/>
+              </a:ext>
+            </a:extLst>
+          </p:cNvPr>
+          <p:cNvSpPr txBox="1"/>
+          <p:nvPr/>
+        </p:nvSpPr>
+        <p:spPr>
+          <a:xfrm>
+            <a:off x="3096813" y="4249001"/>
+            <a:ext cx="7943099" cy="1107996"/>
+          </a:xfrm>
+          <a:prstGeom prst="rect">
+            <a:avLst/>
+          </a:prstGeom>
+          <a:noFill/>
+        </p:spPr>
+        <p:txBody>
+          <a:bodyPr wrap="square">
+            <a:spAutoFit/>
+          </a:bodyPr>
+          <a:lstStyle/>
+          <a:p>
+            <a:pPr algn="just"/>
+            <a:r>
+              <a:rPr lang="fr-FR" sz="2400" dirty="0"/>
+              <a:t>Différences avec le machine </a:t>
+            </a:r>
+            <a:r>
+              <a:rPr lang="fr-FR" sz="2400" dirty="0" err="1"/>
+              <a:t>learning</a:t>
+            </a:r>
+            <a:r>
+              <a:rPr lang="fr-FR" sz="2400" dirty="0"/>
+              <a:t> -&gt; données explicatives</a:t>
+            </a:r>
+          </a:p>
+          <a:p>
+            <a:pPr marL="285750" indent="-285750" algn="just">
               <a:buFont typeface="Arial" panose="020B0604020202020204" pitchFamily="34" charset="0"/>
               <a:buChar char="•"/>
             </a:pPr>
             <a:r>
-              <a:rPr lang="fr-FR" dirty="0"/>
-              <a:t>Data augmentation : augmentation de la base de données en générant de nouvelles images à partir de celles existantes, afin d'améliorer les performances du futur modèle de réseau de neurones. </a:t>
-            </a:r>
-            <a:endParaRPr lang="en-US" sz="1600" dirty="0">
-              <a:latin typeface="Arial" panose="020B0604020202020204" pitchFamily="34" charset="0"/>
-              <a:cs typeface="Arial" panose="020B0604020202020204" pitchFamily="34" charset="0"/>
-            </a:endParaRPr>
-          </a:p>
-        </p:txBody>
-      </p:sp>
+              <a:rPr lang="fr-FR" sz="1800" dirty="0">
+                <a:effectLst/>
+                <a:latin typeface="Calibri" panose="020F0502020204030204" pitchFamily="34" charset="0"/>
+                <a:ea typeface="Calibri" panose="020F0502020204030204" pitchFamily="34" charset="0"/>
+                <a:cs typeface="Times New Roman" panose="02020603050405020304" pitchFamily="18" charset="0"/>
+              </a:rPr>
+              <a:t>des objets plus complexes (listes de nombres, des listes de listes de nombres…)</a:t>
+            </a:r>
+            <a:endParaRPr lang="fr-FR" sz="2400" dirty="0"/>
+          </a:p>
+          <a:p>
+            <a:pPr algn="just"/>
+            <a:endParaRPr lang="fr-FR" sz="2400" dirty="0"/>
+          </a:p>
+        </p:txBody>
+      </p:sp>
+      <p:pic>
+        <p:nvPicPr>
+          <p:cNvPr id="1028" name="Picture 4" descr="Comparison icon PNG and SVG Vector Free Download">
+            <a:extLst>
+              <a:ext uri="{FF2B5EF4-FFF2-40B4-BE49-F238E27FC236}">
+                <a16:creationId xmlns:a16="http://schemas.microsoft.com/office/drawing/2014/main" id="{2B6FEFF4-A008-56F4-5973-C156465C832A}"/>
+              </a:ext>
+            </a:extLst>
+          </p:cNvPr>
+          <p:cNvPicPr>
+            <a:picLocks noChangeAspect="1" noChangeArrowheads="1"/>
+          </p:cNvPicPr>
+          <p:nvPr/>
+        </p:nvPicPr>
+        <p:blipFill>
+          <a:blip r:embed="rId5">
+            <a:extLst>
+              <a:ext uri="{28A0092B-C50C-407E-A947-70E740481C1C}">
+                <a14:useLocalDpi xmlns:a14="http://schemas.microsoft.com/office/drawing/2010/main" val="0"/>
+              </a:ext>
+            </a:extLst>
+          </a:blip>
+          <a:srcRect/>
+          <a:stretch>
+            <a:fillRect/>
+          </a:stretch>
+        </p:blipFill>
+        <p:spPr bwMode="auto">
+          <a:xfrm>
+            <a:off x="391809" y="3392086"/>
+            <a:ext cx="2373113" cy="2141835"/>
+          </a:xfrm>
+          <a:prstGeom prst="rect">
+            <a:avLst/>
+          </a:prstGeom>
+          <a:noFill/>
+          <a:extLst>
+            <a:ext uri="{909E8E84-426E-40DD-AFC4-6F175D3DCCD1}">
+              <a14:hiddenFill xmlns:a14="http://schemas.microsoft.com/office/drawing/2010/main">
+                <a:solidFill>
+                  <a:srgbClr val="FFFFFF"/>
+                </a:solidFill>
+              </a14:hiddenFill>
+            </a:ext>
+          </a:extLst>
+        </p:spPr>
+      </p:pic>
     </p:spTree>
     <p:extLst>
       <p:ext uri="{BB962C8B-B14F-4D97-AF65-F5344CB8AC3E}">
@@ -6443,7 +7746,7 @@
         </p:nvSpPr>
         <p:spPr>
           <a:xfrm>
-            <a:off x="622853" y="604079"/>
+            <a:off x="622853" y="274577"/>
             <a:ext cx="9144000" cy="535608"/>
           </a:xfrm>
         </p:spPr>
@@ -6483,7 +7786,31 @@
                 <a:latin typeface="Arial" panose="020B0604020202020204" pitchFamily="34" charset="0"/>
                 <a:cs typeface="Arial" panose="020B0604020202020204" pitchFamily="34" charset="0"/>
               </a:rPr>
-              <a:t>(2/2)</a:t>
+              <a:t>(Data </a:t>
+            </a:r>
+            <a:r>
+              <a:rPr lang="fr-FR" dirty="0" err="1">
+                <a:solidFill>
+                  <a:schemeClr val="bg2">
+                    <a:lumMod val="50000"/>
+                  </a:schemeClr>
+                </a:solidFill>
+                <a:latin typeface="Arial" panose="020B0604020202020204" pitchFamily="34" charset="0"/>
+                <a:cs typeface="Arial" panose="020B0604020202020204" pitchFamily="34" charset="0"/>
+              </a:rPr>
+              <a:t>Preparation</a:t>
+            </a:r>
+            <a:r>
+              <a:rPr lang="fr-FR" dirty="0">
+                <a:solidFill>
+                  <a:schemeClr val="bg2">
+                    <a:lumMod val="50000"/>
+                  </a:schemeClr>
+                </a:solidFill>
+                <a:latin typeface="Arial" panose="020B0604020202020204" pitchFamily="34" charset="0"/>
+                <a:cs typeface="Arial" panose="020B0604020202020204" pitchFamily="34" charset="0"/>
+              </a:rPr>
+              <a:t>)</a:t>
             </a:r>
           </a:p>
           <a:p>
@@ -6560,7 +7887,7 @@
         </p:nvSpPr>
         <p:spPr>
           <a:xfrm>
-            <a:off x="4724400" y="6174372"/>
+            <a:off x="4724400" y="6197177"/>
             <a:ext cx="2743200" cy="365125"/>
           </a:xfrm>
         </p:spPr>
@@ -6592,10 +7919,10 @@
       </p:sp>
       <p:sp>
         <p:nvSpPr>
-          <p:cNvPr id="13" name="Sous-titre 2">
-            <a:extLst>
-              <a:ext uri="{FF2B5EF4-FFF2-40B4-BE49-F238E27FC236}">
-                <a16:creationId xmlns:a16="http://schemas.microsoft.com/office/drawing/2014/main" id="{D8657817-162E-4152-9305-559C5784FBB9}"/>
+          <p:cNvPr id="7" name="Sous-titre 2">
+            <a:extLst>
+              <a:ext uri="{FF2B5EF4-FFF2-40B4-BE49-F238E27FC236}">
+                <a16:creationId xmlns:a16="http://schemas.microsoft.com/office/drawing/2014/main" id="{1B161A9E-C6BF-8C90-30B9-DE4B6526176C}"/>
               </a:ext>
             </a:extLst>
           </p:cNvPr>
@@ -6606,8 +7933,8 @@
         </p:nvSpPr>
         <p:spPr>
           <a:xfrm>
-            <a:off x="622853" y="1192695"/>
-            <a:ext cx="10946294" cy="4678716"/>
+            <a:off x="1645479" y="1019133"/>
+            <a:ext cx="10946294" cy="778236"/>
           </a:xfrm>
           <a:prstGeom prst="rect">
             <a:avLst/>
@@ -6782,81 +8109,387 @@
             </a:lvl9pPr>
           </a:lstStyle>
           <a:p>
-            <a:pPr marL="285750" indent="-285750" algn="l">
+            <a:pPr algn="just">
               <a:lnSpc>
                 <a:spcPct val="150000"/>
               </a:lnSpc>
-              <a:buFont typeface="Arial" panose="020B0604020202020204" pitchFamily="34" charset="0"/>
-              <a:buChar char="•"/>
             </a:pPr>
             <a:r>
-              <a:rPr lang="fr-FR" dirty="0"/>
-              <a:t>Modèle de </a:t>
-            </a:r>
+              <a:rPr lang="fr-FR" sz="2800" dirty="0"/>
+              <a:t>Création d’une classe « </a:t>
+            </a:r>
+            <a:r>
+              <a:rPr lang="fr-FR" sz="2800" dirty="0" err="1"/>
+              <a:t>ArrayData</a:t>
+            </a:r>
+            <a:r>
+              <a:rPr lang="fr-FR" sz="2800" dirty="0"/>
+              <a:t> »</a:t>
+            </a:r>
+          </a:p>
+        </p:txBody>
+      </p:sp>
+      <p:sp>
+        <p:nvSpPr>
+          <p:cNvPr id="9" name="ZoneTexte 8">
+            <a:extLst>
+              <a:ext uri="{FF2B5EF4-FFF2-40B4-BE49-F238E27FC236}">
+                <a16:creationId xmlns:a16="http://schemas.microsoft.com/office/drawing/2014/main" id="{9B71D573-83A8-5502-22E6-730273781458}"/>
+              </a:ext>
+            </a:extLst>
+          </p:cNvPr>
+          <p:cNvSpPr txBox="1"/>
+          <p:nvPr/>
+        </p:nvSpPr>
+        <p:spPr>
+          <a:xfrm>
+            <a:off x="1579441" y="2368073"/>
+            <a:ext cx="10389479" cy="2527359"/>
+          </a:xfrm>
+          <a:prstGeom prst="rect">
+            <a:avLst/>
+          </a:prstGeom>
+          <a:noFill/>
+        </p:spPr>
+        <p:txBody>
+          <a:bodyPr wrap="square">
+            <a:spAutoFit/>
+          </a:bodyPr>
+          <a:lstStyle/>
+          <a:p>
+            <a:pPr algn="just"/>
+            <a:r>
+              <a:rPr lang="fr-FR" sz="2800" dirty="0"/>
+              <a:t>Objectifs : </a:t>
+            </a:r>
+          </a:p>
+          <a:p>
+            <a:pPr marL="449580">
+              <a:lnSpc>
+                <a:spcPct val="150000"/>
+              </a:lnSpc>
+              <a:spcAft>
+                <a:spcPts val="800"/>
+              </a:spcAft>
+            </a:pPr>
+            <a:r>
+              <a:rPr lang="fr-FR" sz="2000" dirty="0">
+                <a:effectLst/>
+                <a:latin typeface="Calibri" panose="020F0502020204030204" pitchFamily="34" charset="0"/>
+                <a:ea typeface="Calibri" panose="020F0502020204030204" pitchFamily="34" charset="0"/>
+                <a:cs typeface="Times New Roman" panose="02020603050405020304" pitchFamily="18" charset="0"/>
+              </a:rPr>
+              <a:t>- Extraire un maximum de données pour chaque image;</a:t>
+            </a:r>
+          </a:p>
+          <a:p>
+            <a:pPr marL="449580">
+              <a:lnSpc>
+                <a:spcPct val="150000"/>
+              </a:lnSpc>
+              <a:spcAft>
+                <a:spcPts val="800"/>
+              </a:spcAft>
+            </a:pPr>
+            <a:r>
+              <a:rPr lang="fr-FR" sz="2000" dirty="0">
+                <a:effectLst/>
+                <a:latin typeface="Calibri" panose="020F0502020204030204" pitchFamily="34" charset="0"/>
+                <a:ea typeface="Calibri" panose="020F0502020204030204" pitchFamily="34" charset="0"/>
+                <a:cs typeface="Times New Roman" panose="02020603050405020304" pitchFamily="18" charset="0"/>
+              </a:rPr>
+              <a:t>- Créer une base de données avec données explicatives et données à expliquer;</a:t>
+            </a:r>
+          </a:p>
+          <a:p>
+            <a:pPr marL="449580">
+              <a:lnSpc>
+                <a:spcPct val="150000"/>
+              </a:lnSpc>
+              <a:spcAft>
+                <a:spcPts val="800"/>
+              </a:spcAft>
+            </a:pPr>
+            <a:r>
+              <a:rPr lang="fr-FR" sz="2000" dirty="0">
+                <a:effectLst/>
+                <a:latin typeface="Calibri" panose="020F0502020204030204" pitchFamily="34" charset="0"/>
+                <a:ea typeface="Calibri" panose="020F0502020204030204" pitchFamily="34" charset="0"/>
+                <a:cs typeface="Times New Roman" panose="02020603050405020304" pitchFamily="18" charset="0"/>
+              </a:rPr>
+              <a:t>- </a:t>
+            </a:r>
+            <a:r>
+              <a:rPr lang="fr-FR" sz="2000" dirty="0">
+                <a:latin typeface="Calibri" panose="020F0502020204030204" pitchFamily="34" charset="0"/>
+                <a:ea typeface="Calibri" panose="020F0502020204030204" pitchFamily="34" charset="0"/>
+                <a:cs typeface="Times New Roman" panose="02020603050405020304" pitchFamily="18" charset="0"/>
+              </a:rPr>
+              <a:t>A</a:t>
+            </a:r>
+            <a:r>
+              <a:rPr lang="fr-FR" sz="2000" dirty="0">
+                <a:effectLst/>
+                <a:latin typeface="Calibri" panose="020F0502020204030204" pitchFamily="34" charset="0"/>
+                <a:ea typeface="Calibri" panose="020F0502020204030204" pitchFamily="34" charset="0"/>
+                <a:cs typeface="Times New Roman" panose="02020603050405020304" pitchFamily="18" charset="0"/>
+              </a:rPr>
+              <a:t>dapter ces données à une utilisation pour un modèle de réseau de neurones convolutif sur Python.</a:t>
+            </a:r>
+            <a:endParaRPr lang="fr-FR" sz="2800" dirty="0"/>
+          </a:p>
+        </p:txBody>
+      </p:sp>
+      <p:pic>
+        <p:nvPicPr>
+          <p:cNvPr id="2050" name="Picture 2" descr="Brand New New Icon, HD Png Download , Transparent Png Image - PNGitem">
+            <a:extLst>
+              <a:ext uri="{FF2B5EF4-FFF2-40B4-BE49-F238E27FC236}">
+                <a16:creationId xmlns:a16="http://schemas.microsoft.com/office/drawing/2014/main" id="{B0FDE1B6-669D-B87A-1A5E-5832F8C83F97}"/>
+              </a:ext>
+            </a:extLst>
+          </p:cNvPr>
+          <p:cNvPicPr>
+            <a:picLocks noChangeAspect="1" noChangeArrowheads="1"/>
+          </p:cNvPicPr>
+          <p:nvPr/>
+        </p:nvPicPr>
+        <p:blipFill>
+          <a:blip r:embed="rId3">
+            <a:extLst>
+              <a:ext uri="{BEBA8EAE-BF5A-486C-A8C5-ECC9F3942E4B}">
+                <a14:imgProps xmlns:a14="http://schemas.microsoft.com/office/drawing/2010/main">
+                  <a14:imgLayer r:embed="rId4">
+                    <a14:imgEffect>
+                      <a14:backgroundRemoval t="10000" b="90000" l="10000" r="90000">
+                        <a14:foregroundMark x1="39302" y1="50101" x2="13605" y2="21730"/>
+                      </a14:backgroundRemoval>
+                    </a14:imgEffect>
+                  </a14:imgLayer>
+                </a14:imgProps>
+              </a:ext>
+              <a:ext uri="{28A0092B-C50C-407E-A947-70E740481C1C}">
+                <a14:useLocalDpi xmlns:a14="http://schemas.microsoft.com/office/drawing/2010/main" val="0"/>
+              </a:ext>
+            </a:extLst>
+          </a:blip>
+          <a:srcRect/>
+          <a:stretch>
+            <a:fillRect/>
+          </a:stretch>
+        </p:blipFill>
+        <p:spPr bwMode="auto">
+          <a:xfrm>
+            <a:off x="223080" y="1134236"/>
+            <a:ext cx="1422399" cy="822014"/>
+          </a:xfrm>
+          <a:prstGeom prst="rect">
+            <a:avLst/>
+          </a:prstGeom>
+          <a:noFill/>
+          <a:extLst>
+            <a:ext uri="{909E8E84-426E-40DD-AFC4-6F175D3DCCD1}">
+              <a14:hiddenFill xmlns:a14="http://schemas.microsoft.com/office/drawing/2010/main">
+                <a:solidFill>
+                  <a:srgbClr val="FFFFFF"/>
+                </a:solidFill>
+              </a14:hiddenFill>
+            </a:ext>
+          </a:extLst>
+        </p:spPr>
+      </p:pic>
+      <p:pic>
+        <p:nvPicPr>
+          <p:cNvPr id="2052" name="Picture 4" descr="Icône Vectorielle Cible. Cible Avec Icône De Flèche. Logo De La Mission Ou  De L'objectif Professionnel. Illustration Vectorielle D Illustration de  Vecteur - Illustration du archery, perfection: 218083888">
+            <a:extLst>
+              <a:ext uri="{FF2B5EF4-FFF2-40B4-BE49-F238E27FC236}">
+                <a16:creationId xmlns:a16="http://schemas.microsoft.com/office/drawing/2014/main" id="{6D34BC5E-6118-0485-95D0-7AE8C2D1A4BB}"/>
+              </a:ext>
+            </a:extLst>
+          </p:cNvPr>
+          <p:cNvPicPr>
+            <a:picLocks noChangeAspect="1" noChangeArrowheads="1"/>
+          </p:cNvPicPr>
+          <p:nvPr/>
+        </p:nvPicPr>
+        <p:blipFill>
+          <a:blip r:embed="rId5">
+            <a:extLst>
+              <a:ext uri="{28A0092B-C50C-407E-A947-70E740481C1C}">
+                <a14:useLocalDpi xmlns:a14="http://schemas.microsoft.com/office/drawing/2010/main" val="0"/>
+              </a:ext>
+            </a:extLst>
+          </a:blip>
+          <a:srcRect/>
+          <a:stretch>
+            <a:fillRect/>
+          </a:stretch>
+        </p:blipFill>
+        <p:spPr bwMode="auto">
+          <a:xfrm>
+            <a:off x="223080" y="2072639"/>
+            <a:ext cx="1356361" cy="1356361"/>
+          </a:xfrm>
+          <a:prstGeom prst="rect">
+            <a:avLst/>
+          </a:prstGeom>
+          <a:noFill/>
+          <a:extLst>
+            <a:ext uri="{909E8E84-426E-40DD-AFC4-6F175D3DCCD1}">
+              <a14:hiddenFill xmlns:a14="http://schemas.microsoft.com/office/drawing/2010/main">
+                <a:solidFill>
+                  <a:srgbClr val="FFFFFF"/>
+                </a:solidFill>
+              </a14:hiddenFill>
+            </a:ext>
+          </a:extLst>
+        </p:spPr>
+      </p:pic>
+      <p:sp>
+        <p:nvSpPr>
+          <p:cNvPr id="11" name="Rectangle 10">
+            <a:extLst>
+              <a:ext uri="{FF2B5EF4-FFF2-40B4-BE49-F238E27FC236}">
+                <a16:creationId xmlns:a16="http://schemas.microsoft.com/office/drawing/2014/main" id="{6B828524-A78A-A118-A6FA-84871AE8281F}"/>
+              </a:ext>
+            </a:extLst>
+          </p:cNvPr>
+          <p:cNvSpPr/>
+          <p:nvPr/>
+        </p:nvSpPr>
+        <p:spPr>
+          <a:xfrm rot="19254554">
+            <a:off x="259655" y="5240651"/>
+            <a:ext cx="962585" cy="966223"/>
+          </a:xfrm>
+          <a:prstGeom prst="rect">
+            <a:avLst/>
+          </a:prstGeom>
+          <a:noFill/>
+          <a:ln>
+            <a:solidFill>
+              <a:schemeClr val="tx1"/>
+            </a:solidFill>
+          </a:ln>
+        </p:spPr>
+        <p:style>
+          <a:lnRef idx="2">
+            <a:schemeClr val="accent1">
+              <a:shade val="50000"/>
+            </a:schemeClr>
+          </a:lnRef>
+          <a:fillRef idx="1">
+            <a:schemeClr val="accent1"/>
+          </a:fillRef>
+          <a:effectRef idx="0">
+            <a:schemeClr val="accent1"/>
+          </a:effectRef>
+          <a:fontRef idx="minor">
+            <a:schemeClr val="lt1"/>
+          </a:fontRef>
+        </p:style>
+        <p:txBody>
+          <a:bodyPr rtlCol="0" anchor="ctr"/>
+          <a:lstStyle/>
+          <a:p>
+            <a:pPr algn="ctr"/>
+            <a:endParaRPr lang="fr-FR" dirty="0"/>
+          </a:p>
+        </p:txBody>
+      </p:sp>
+      <p:sp>
+        <p:nvSpPr>
+          <p:cNvPr id="12" name="ZoneTexte 11">
+            <a:extLst>
+              <a:ext uri="{FF2B5EF4-FFF2-40B4-BE49-F238E27FC236}">
+                <a16:creationId xmlns:a16="http://schemas.microsoft.com/office/drawing/2014/main" id="{841F9FAA-B984-CC38-4213-A7417C384624}"/>
+              </a:ext>
+            </a:extLst>
+          </p:cNvPr>
+          <p:cNvSpPr txBox="1"/>
+          <p:nvPr/>
+        </p:nvSpPr>
+        <p:spPr>
+          <a:xfrm>
+            <a:off x="174090" y="5528040"/>
+            <a:ext cx="1245039" cy="369332"/>
+          </a:xfrm>
+          <a:prstGeom prst="rect">
+            <a:avLst/>
+          </a:prstGeom>
+          <a:noFill/>
+        </p:spPr>
+        <p:txBody>
+          <a:bodyPr wrap="square">
+            <a:spAutoFit/>
+          </a:bodyPr>
+          <a:lstStyle/>
+          <a:p>
+            <a:pPr algn="just"/>
             <a:r>
               <a:rPr lang="fr-FR" dirty="0" err="1"/>
-              <a:t>deep</a:t>
-            </a:r>
-            <a:r>
-              <a:rPr lang="fr-FR" dirty="0"/>
-              <a:t> </a:t>
-            </a:r>
-            <a:r>
-              <a:rPr lang="fr-FR" dirty="0" err="1"/>
-              <a:t>learning</a:t>
-            </a:r>
-            <a:r>
-              <a:rPr lang="fr-FR" dirty="0"/>
-              <a:t> utilisé : réseau de neurones convolutif.</a:t>
-            </a:r>
-          </a:p>
-          <a:p>
-            <a:pPr marL="285750" indent="-285750" algn="l">
-              <a:lnSpc>
-                <a:spcPct val="150000"/>
-              </a:lnSpc>
-              <a:buFont typeface="Arial" panose="020B0604020202020204" pitchFamily="34" charset="0"/>
-              <a:buChar char="•"/>
-            </a:pPr>
-            <a:r>
-              <a:rPr lang="fr-FR" dirty="0"/>
-              <a:t>Utilisation d’une classe "</a:t>
-            </a:r>
-            <a:r>
-              <a:rPr lang="fr-FR" dirty="0" err="1"/>
-              <a:t>CNNModel</a:t>
-            </a:r>
-            <a:r>
-              <a:rPr lang="fr-FR" dirty="0"/>
-              <a:t>" : elle permet d'entraîner un modèle de </a:t>
-            </a:r>
-            <a:r>
-              <a:rPr lang="fr-FR" dirty="0" err="1"/>
-              <a:t>deep</a:t>
-            </a:r>
-            <a:r>
-              <a:rPr lang="fr-FR" dirty="0"/>
-              <a:t> </a:t>
-            </a:r>
-            <a:r>
-              <a:rPr lang="fr-FR" dirty="0" err="1"/>
-              <a:t>learning</a:t>
-            </a:r>
-            <a:r>
-              <a:rPr lang="fr-FR" dirty="0"/>
-              <a:t> et d'afficher les prédictions sur de nouvelles données préparées.</a:t>
-            </a:r>
-            <a:endParaRPr lang="en-US" sz="2000" dirty="0">
-              <a:latin typeface="Arial" panose="020B0604020202020204" pitchFamily="34" charset="0"/>
-              <a:cs typeface="Arial" panose="020B0604020202020204" pitchFamily="34" charset="0"/>
-            </a:endParaRPr>
+              <a:t>ArrrayData</a:t>
+            </a:r>
+            <a:endParaRPr lang="fr-FR" dirty="0"/>
+          </a:p>
+        </p:txBody>
+      </p:sp>
+      <p:sp>
+        <p:nvSpPr>
+          <p:cNvPr id="14" name="ZoneTexte 13">
+            <a:extLst>
+              <a:ext uri="{FF2B5EF4-FFF2-40B4-BE49-F238E27FC236}">
+                <a16:creationId xmlns:a16="http://schemas.microsoft.com/office/drawing/2014/main" id="{D330EB99-D9C3-C975-264A-6F4CA6393F6F}"/>
+              </a:ext>
+            </a:extLst>
+          </p:cNvPr>
+          <p:cNvSpPr txBox="1"/>
+          <p:nvPr/>
+        </p:nvSpPr>
+        <p:spPr>
+          <a:xfrm>
+            <a:off x="1645479" y="5467257"/>
+            <a:ext cx="10389479" cy="523220"/>
+          </a:xfrm>
+          <a:prstGeom prst="rect">
+            <a:avLst/>
+          </a:prstGeom>
+          <a:noFill/>
+        </p:spPr>
+        <p:txBody>
+          <a:bodyPr wrap="square">
+            <a:spAutoFit/>
+          </a:bodyPr>
+          <a:lstStyle/>
+          <a:p>
+            <a:pPr algn="just"/>
+            <a:r>
+              <a:rPr lang="fr-FR" sz="2800" dirty="0"/>
+              <a:t>Classe  : 5 attributs (</a:t>
+            </a:r>
+            <a:r>
+              <a:rPr lang="fr-FR" sz="2800" dirty="0" err="1"/>
+              <a:t>paths</a:t>
+            </a:r>
+            <a:r>
+              <a:rPr lang="fr-FR" sz="2800" dirty="0"/>
+              <a:t>, data </a:t>
+            </a:r>
+            <a:r>
+              <a:rPr lang="fr-FR" sz="2800" dirty="0" err="1"/>
+              <a:t>target</a:t>
+            </a:r>
+            <a:r>
+              <a:rPr lang="fr-FR" sz="2800" dirty="0"/>
+              <a:t> …) et 1 fonction  </a:t>
+            </a:r>
           </a:p>
         </p:txBody>
       </p:sp>
     </p:spTree>
     <p:extLst>
       <p:ext uri="{BB962C8B-B14F-4D97-AF65-F5344CB8AC3E}">
-        <p14:creationId xmlns:p14="http://schemas.microsoft.com/office/powerpoint/2010/main" val="126449718"/>
+        <p14:creationId xmlns:p14="http://schemas.microsoft.com/office/powerpoint/2010/main" val="1916972689"/>
       </p:ext>
     </p:extLst>
   </p:cSld>
@@ -6901,7 +8534,7 @@
         </p:nvSpPr>
         <p:spPr>
           <a:xfrm>
-            <a:off x="622853" y="604079"/>
+            <a:off x="622853" y="274577"/>
             <a:ext cx="9144000" cy="535608"/>
           </a:xfrm>
         </p:spPr>
@@ -6915,12 +8548,37 @@
                 <a:latin typeface="Arial" panose="020B0604020202020204" pitchFamily="34" charset="0"/>
                 <a:cs typeface="Arial" panose="020B0604020202020204" pitchFamily="34" charset="0"/>
               </a:rPr>
-              <a:t>V. </a:t>
-            </a:r>
-            <a:r>
-              <a:rPr lang="fr-FR" dirty="0"/>
-              <a:t>Conclusion</a:t>
-            </a:r>
+              <a:t>IV. </a:t>
+            </a:r>
+            <a:r>
+              <a:rPr lang="fr-FR" dirty="0" err="1">
+                <a:latin typeface="Arial" panose="020B0604020202020204" pitchFamily="34" charset="0"/>
+                <a:cs typeface="Arial" panose="020B0604020202020204" pitchFamily="34" charset="0"/>
+              </a:rPr>
+              <a:t>Deep</a:t>
+            </a:r>
+            <a:r>
+              <a:rPr lang="fr-FR" dirty="0">
+                <a:latin typeface="Arial" panose="020B0604020202020204" pitchFamily="34" charset="0"/>
+                <a:cs typeface="Arial" panose="020B0604020202020204" pitchFamily="34" charset="0"/>
+              </a:rPr>
+              <a:t> Learning </a:t>
+            </a:r>
+            <a:r>
+              <a:rPr lang="fr-FR" dirty="0">
+                <a:solidFill>
+                  <a:schemeClr val="bg2">
+                    <a:lumMod val="50000"/>
+                  </a:schemeClr>
+                </a:solidFill>
+                <a:latin typeface="Arial" panose="020B0604020202020204" pitchFamily="34" charset="0"/>
+                <a:cs typeface="Arial" panose="020B0604020202020204" pitchFamily="34" charset="0"/>
+              </a:rPr>
+              <a:t>(Data Augmentation)</a:t>
+            </a:r>
+          </a:p>
+          <a:p>
+            <a:pPr algn="l"/>
             <a:endParaRPr lang="fr-FR" dirty="0">
               <a:latin typeface="Arial" panose="020B0604020202020204" pitchFamily="34" charset="0"/>
               <a:cs typeface="Arial" panose="020B0604020202020204" pitchFamily="34" charset="0"/>
@@ -6993,7 +8651,7 @@
         </p:nvSpPr>
         <p:spPr>
           <a:xfrm>
-            <a:off x="4724400" y="6174372"/>
+            <a:off x="4724400" y="6197177"/>
             <a:ext cx="2743200" cy="365125"/>
           </a:xfrm>
         </p:spPr>
@@ -7025,10 +8683,10 @@
       </p:sp>
       <p:sp>
         <p:nvSpPr>
-          <p:cNvPr id="13" name="Sous-titre 2">
-            <a:extLst>
-              <a:ext uri="{FF2B5EF4-FFF2-40B4-BE49-F238E27FC236}">
-                <a16:creationId xmlns:a16="http://schemas.microsoft.com/office/drawing/2014/main" id="{D8657817-162E-4152-9305-559C5784FBB9}"/>
+          <p:cNvPr id="2" name="Sous-titre 2">
+            <a:extLst>
+              <a:ext uri="{FF2B5EF4-FFF2-40B4-BE49-F238E27FC236}">
+                <a16:creationId xmlns:a16="http://schemas.microsoft.com/office/drawing/2014/main" id="{9EA14E20-E964-7388-BC40-9C52B91B4680}"/>
               </a:ext>
             </a:extLst>
           </p:cNvPr>
@@ -7039,8 +8697,8 @@
         </p:nvSpPr>
         <p:spPr>
           <a:xfrm>
-            <a:off x="622853" y="1192695"/>
-            <a:ext cx="10946294" cy="4678716"/>
+            <a:off x="2488759" y="1151959"/>
+            <a:ext cx="10946294" cy="778236"/>
           </a:xfrm>
           <a:prstGeom prst="rect">
             <a:avLst/>
@@ -7215,69 +8873,1722 @@
             </a:lvl9pPr>
           </a:lstStyle>
           <a:p>
-            <a:pPr marL="285750" indent="-285750" algn="l">
+            <a:pPr algn="just">
               <a:lnSpc>
                 <a:spcPct val="150000"/>
               </a:lnSpc>
-              <a:buFont typeface="Arial" panose="020B0604020202020204" pitchFamily="34" charset="0"/>
-              <a:buChar char="•"/>
             </a:pPr>
             <a:r>
-              <a:rPr lang="fr-FR" dirty="0"/>
-              <a:t>Comparaison des résultats obtenus avec les modèles de machine </a:t>
-            </a:r>
-            <a:r>
-              <a:rPr lang="fr-FR" dirty="0" err="1"/>
-              <a:t>learning</a:t>
-            </a:r>
-            <a:r>
-              <a:rPr lang="fr-FR" dirty="0"/>
-              <a:t> et de </a:t>
-            </a:r>
-            <a:r>
-              <a:rPr lang="fr-FR" dirty="0" err="1"/>
-              <a:t>deep</a:t>
-            </a:r>
-            <a:r>
-              <a:rPr lang="fr-FR" dirty="0"/>
-              <a:t> </a:t>
-            </a:r>
-            <a:r>
-              <a:rPr lang="fr-FR" dirty="0" err="1"/>
-              <a:t>learning</a:t>
-            </a:r>
-            <a:r>
-              <a:rPr lang="fr-FR" dirty="0"/>
-              <a:t>.</a:t>
-            </a:r>
-          </a:p>
-          <a:p>
-            <a:pPr marL="285750" indent="-285750" algn="l">
+              <a:rPr lang="fr-FR" sz="2800" dirty="0"/>
+              <a:t>Augmentation de la base de données grâce au package </a:t>
+            </a:r>
+            <a:r>
+              <a:rPr lang="fr-FR" sz="2800" dirty="0" err="1"/>
+              <a:t>keras</a:t>
+            </a:r>
+            <a:endParaRPr lang="fr-FR" sz="2800" dirty="0"/>
+          </a:p>
+        </p:txBody>
+      </p:sp>
+      <p:pic>
+        <p:nvPicPr>
+          <p:cNvPr id="3074" name="Picture 2" descr="Keras: the Python deep learning API">
+            <a:extLst>
+              <a:ext uri="{FF2B5EF4-FFF2-40B4-BE49-F238E27FC236}">
+                <a16:creationId xmlns:a16="http://schemas.microsoft.com/office/drawing/2014/main" id="{604032CD-A175-2AA7-1BFF-B7D801505F57}"/>
+              </a:ext>
+            </a:extLst>
+          </p:cNvPr>
+          <p:cNvPicPr>
+            <a:picLocks noChangeAspect="1" noChangeArrowheads="1"/>
+          </p:cNvPicPr>
+          <p:nvPr/>
+        </p:nvPicPr>
+        <p:blipFill>
+          <a:blip r:embed="rId3">
+            <a:extLst>
+              <a:ext uri="{28A0092B-C50C-407E-A947-70E740481C1C}">
+                <a14:useLocalDpi xmlns:a14="http://schemas.microsoft.com/office/drawing/2010/main" val="0"/>
+              </a:ext>
+            </a:extLst>
+          </a:blip>
+          <a:srcRect/>
+          <a:stretch>
+            <a:fillRect/>
+          </a:stretch>
+        </p:blipFill>
+        <p:spPr bwMode="auto">
+          <a:xfrm>
+            <a:off x="181563" y="1243331"/>
+            <a:ext cx="2053424" cy="595493"/>
+          </a:xfrm>
+          <a:prstGeom prst="rect">
+            <a:avLst/>
+          </a:prstGeom>
+          <a:noFill/>
+          <a:ln>
+            <a:solidFill>
+              <a:schemeClr val="tx1"/>
+            </a:solidFill>
+          </a:ln>
+          <a:extLst>
+            <a:ext uri="{909E8E84-426E-40DD-AFC4-6F175D3DCCD1}">
+              <a14:hiddenFill xmlns:a14="http://schemas.microsoft.com/office/drawing/2010/main">
+                <a:solidFill>
+                  <a:srgbClr val="FFFFFF"/>
+                </a:solidFill>
+              </a14:hiddenFill>
+            </a:ext>
+          </a:extLst>
+        </p:spPr>
+      </p:pic>
+      <p:sp>
+        <p:nvSpPr>
+          <p:cNvPr id="6" name="Sous-titre 2">
+            <a:extLst>
+              <a:ext uri="{FF2B5EF4-FFF2-40B4-BE49-F238E27FC236}">
+                <a16:creationId xmlns:a16="http://schemas.microsoft.com/office/drawing/2014/main" id="{CE5C2918-DF45-3276-F823-972B04986171}"/>
+              </a:ext>
+            </a:extLst>
+          </p:cNvPr>
+          <p:cNvSpPr txBox="1">
+            <a:spLocks/>
+          </p:cNvSpPr>
+          <p:nvPr/>
+        </p:nvSpPr>
+        <p:spPr>
+          <a:xfrm rot="20903392">
+            <a:off x="685316" y="3185651"/>
+            <a:ext cx="1727641" cy="778236"/>
+          </a:xfrm>
+          <a:prstGeom prst="rect">
+            <a:avLst/>
+          </a:prstGeom>
+        </p:spPr>
+        <p:txBody>
+          <a:bodyPr vert="horz" lIns="91440" tIns="45720" rIns="91440" bIns="45720" rtlCol="0">
+            <a:normAutofit/>
+          </a:bodyPr>
+          <a:lstStyle>
+            <a:lvl1pPr marL="0" indent="0" algn="ctr" defTabSz="914400" rtl="0" eaLnBrk="1" latinLnBrk="0" hangingPunct="1">
+              <a:lnSpc>
+                <a:spcPct val="90000"/>
+              </a:lnSpc>
+              <a:spcBef>
+                <a:spcPts val="1000"/>
+              </a:spcBef>
+              <a:buFont typeface="Arial" panose="020B0604020202020204" pitchFamily="34" charset="0"/>
+              <a:buNone/>
+              <a:defRPr sz="2400" kern="1200">
+                <a:solidFill>
+                  <a:schemeClr val="tx1"/>
+                </a:solidFill>
+                <a:latin typeface="+mn-lt"/>
+                <a:ea typeface="+mn-ea"/>
+                <a:cs typeface="+mn-cs"/>
+              </a:defRPr>
+            </a:lvl1pPr>
+            <a:lvl2pPr marL="457200" indent="0" algn="ctr" defTabSz="914400" rtl="0" eaLnBrk="1" latinLnBrk="0" hangingPunct="1">
+              <a:lnSpc>
+                <a:spcPct val="90000"/>
+              </a:lnSpc>
+              <a:spcBef>
+                <a:spcPts val="500"/>
+              </a:spcBef>
+              <a:buFont typeface="Arial" panose="020B0604020202020204" pitchFamily="34" charset="0"/>
+              <a:buNone/>
+              <a:defRPr sz="2000" kern="1200">
+                <a:solidFill>
+                  <a:schemeClr val="tx1"/>
+                </a:solidFill>
+                <a:latin typeface="+mn-lt"/>
+                <a:ea typeface="+mn-ea"/>
+                <a:cs typeface="+mn-cs"/>
+              </a:defRPr>
+            </a:lvl2pPr>
+            <a:lvl3pPr marL="914400" indent="0" algn="ctr" defTabSz="914400" rtl="0" eaLnBrk="1" latinLnBrk="0" hangingPunct="1">
+              <a:lnSpc>
+                <a:spcPct val="90000"/>
+              </a:lnSpc>
+              <a:spcBef>
+                <a:spcPts val="500"/>
+              </a:spcBef>
+              <a:buFont typeface="Arial" panose="020B0604020202020204" pitchFamily="34" charset="0"/>
+              <a:buNone/>
+              <a:defRPr sz="1800" kern="1200">
+                <a:solidFill>
+                  <a:schemeClr val="tx1"/>
+                </a:solidFill>
+                <a:latin typeface="+mn-lt"/>
+                <a:ea typeface="+mn-ea"/>
+                <a:cs typeface="+mn-cs"/>
+              </a:defRPr>
+            </a:lvl3pPr>
+            <a:lvl4pPr marL="1371600" indent="0" algn="ctr" defTabSz="914400" rtl="0" eaLnBrk="1" latinLnBrk="0" hangingPunct="1">
+              <a:lnSpc>
+                <a:spcPct val="90000"/>
+              </a:lnSpc>
+              <a:spcBef>
+                <a:spcPts val="500"/>
+              </a:spcBef>
+              <a:buFont typeface="Arial" panose="020B0604020202020204" pitchFamily="34" charset="0"/>
+              <a:buNone/>
+              <a:defRPr sz="1600" kern="1200">
+                <a:solidFill>
+                  <a:schemeClr val="tx1"/>
+                </a:solidFill>
+                <a:latin typeface="+mn-lt"/>
+                <a:ea typeface="+mn-ea"/>
+                <a:cs typeface="+mn-cs"/>
+              </a:defRPr>
+            </a:lvl4pPr>
+            <a:lvl5pPr marL="1828800" indent="0" algn="ctr" defTabSz="914400" rtl="0" eaLnBrk="1" latinLnBrk="0" hangingPunct="1">
+              <a:lnSpc>
+                <a:spcPct val="90000"/>
+              </a:lnSpc>
+              <a:spcBef>
+                <a:spcPts val="500"/>
+              </a:spcBef>
+              <a:buFont typeface="Arial" panose="020B0604020202020204" pitchFamily="34" charset="0"/>
+              <a:buNone/>
+              <a:defRPr sz="1600" kern="1200">
+                <a:solidFill>
+                  <a:schemeClr val="tx1"/>
+                </a:solidFill>
+                <a:latin typeface="+mn-lt"/>
+                <a:ea typeface="+mn-ea"/>
+                <a:cs typeface="+mn-cs"/>
+              </a:defRPr>
+            </a:lvl5pPr>
+            <a:lvl6pPr marL="2286000" indent="0" algn="ctr" defTabSz="914400" rtl="0" eaLnBrk="1" latinLnBrk="0" hangingPunct="1">
+              <a:lnSpc>
+                <a:spcPct val="90000"/>
+              </a:lnSpc>
+              <a:spcBef>
+                <a:spcPts val="500"/>
+              </a:spcBef>
+              <a:buFont typeface="Arial" panose="020B0604020202020204" pitchFamily="34" charset="0"/>
+              <a:buNone/>
+              <a:defRPr sz="1600" kern="1200">
+                <a:solidFill>
+                  <a:schemeClr val="tx1"/>
+                </a:solidFill>
+                <a:latin typeface="+mn-lt"/>
+                <a:ea typeface="+mn-ea"/>
+                <a:cs typeface="+mn-cs"/>
+              </a:defRPr>
+            </a:lvl6pPr>
+            <a:lvl7pPr marL="2743200" indent="0" algn="ctr" defTabSz="914400" rtl="0" eaLnBrk="1" latinLnBrk="0" hangingPunct="1">
+              <a:lnSpc>
+                <a:spcPct val="90000"/>
+              </a:lnSpc>
+              <a:spcBef>
+                <a:spcPts val="500"/>
+              </a:spcBef>
+              <a:buFont typeface="Arial" panose="020B0604020202020204" pitchFamily="34" charset="0"/>
+              <a:buNone/>
+              <a:defRPr sz="1600" kern="1200">
+                <a:solidFill>
+                  <a:schemeClr val="tx1"/>
+                </a:solidFill>
+                <a:latin typeface="+mn-lt"/>
+                <a:ea typeface="+mn-ea"/>
+                <a:cs typeface="+mn-cs"/>
+              </a:defRPr>
+            </a:lvl7pPr>
+            <a:lvl8pPr marL="3200400" indent="0" algn="ctr" defTabSz="914400" rtl="0" eaLnBrk="1" latinLnBrk="0" hangingPunct="1">
+              <a:lnSpc>
+                <a:spcPct val="90000"/>
+              </a:lnSpc>
+              <a:spcBef>
+                <a:spcPts val="500"/>
+              </a:spcBef>
+              <a:buFont typeface="Arial" panose="020B0604020202020204" pitchFamily="34" charset="0"/>
+              <a:buNone/>
+              <a:defRPr sz="1600" kern="1200">
+                <a:solidFill>
+                  <a:schemeClr val="tx1"/>
+                </a:solidFill>
+                <a:latin typeface="+mn-lt"/>
+                <a:ea typeface="+mn-ea"/>
+                <a:cs typeface="+mn-cs"/>
+              </a:defRPr>
+            </a:lvl8pPr>
+            <a:lvl9pPr marL="3657600" indent="0" algn="ctr" defTabSz="914400" rtl="0" eaLnBrk="1" latinLnBrk="0" hangingPunct="1">
+              <a:lnSpc>
+                <a:spcPct val="90000"/>
+              </a:lnSpc>
+              <a:spcBef>
+                <a:spcPts val="500"/>
+              </a:spcBef>
+              <a:buFont typeface="Arial" panose="020B0604020202020204" pitchFamily="34" charset="0"/>
+              <a:buNone/>
+              <a:defRPr sz="1600" kern="1200">
+                <a:solidFill>
+                  <a:schemeClr val="tx1"/>
+                </a:solidFill>
+                <a:latin typeface="+mn-lt"/>
+                <a:ea typeface="+mn-ea"/>
+                <a:cs typeface="+mn-cs"/>
+              </a:defRPr>
+            </a:lvl9pPr>
+          </a:lstStyle>
+          <a:p>
+            <a:pPr algn="just">
               <a:lnSpc>
                 <a:spcPct val="150000"/>
               </a:lnSpc>
-              <a:buFont typeface="Arial" panose="020B0604020202020204" pitchFamily="34" charset="0"/>
-              <a:buChar char="•"/>
             </a:pPr>
             <a:r>
-              <a:rPr lang="fr-FR" dirty="0"/>
-              <a:t>Limites du projet et </a:t>
-            </a:r>
-            <a:r>
-              <a:rPr lang="fr-FR"/>
-              <a:t>pistes d'amélioration.</a:t>
-            </a:r>
-            <a:endParaRPr lang="en-US" sz="1600" dirty="0">
-              <a:latin typeface="Arial" panose="020B0604020202020204" pitchFamily="34" charset="0"/>
-              <a:cs typeface="Arial" panose="020B0604020202020204" pitchFamily="34" charset="0"/>
-            </a:endParaRPr>
+              <a:rPr lang="fr-FR" sz="2000" b="1" dirty="0">
+                <a:solidFill>
+                  <a:schemeClr val="bg1"/>
+                </a:solidFill>
+              </a:rPr>
+              <a:t>FUNCTION</a:t>
+            </a:r>
+          </a:p>
+        </p:txBody>
+      </p:sp>
+      <p:grpSp>
+        <p:nvGrpSpPr>
+          <p:cNvPr id="15" name="Groupe 14">
+            <a:extLst>
+              <a:ext uri="{FF2B5EF4-FFF2-40B4-BE49-F238E27FC236}">
+                <a16:creationId xmlns:a16="http://schemas.microsoft.com/office/drawing/2014/main" id="{2DF26A4B-6D25-61D7-48CE-62B96263E552}"/>
+              </a:ext>
+            </a:extLst>
+          </p:cNvPr>
+          <p:cNvGrpSpPr/>
+          <p:nvPr/>
+        </p:nvGrpSpPr>
+        <p:grpSpPr>
+          <a:xfrm>
+            <a:off x="278223" y="2298580"/>
+            <a:ext cx="1496125" cy="1466910"/>
+            <a:chOff x="227423" y="2271970"/>
+            <a:chExt cx="1961703" cy="1891682"/>
+          </a:xfrm>
+        </p:grpSpPr>
+        <p:pic>
+          <p:nvPicPr>
+            <p:cNvPr id="10" name="Picture 4" descr="Nouvelle Fonctionnalité Ou Un Badge De Produit Icône Plat Pour Les  Applications Et Sites Web Clip Art Libres De Droits , Svg , Vecteurs Et  Illustration. Image 42273474.">
+              <a:extLst>
+                <a:ext uri="{FF2B5EF4-FFF2-40B4-BE49-F238E27FC236}">
+                  <a16:creationId xmlns:a16="http://schemas.microsoft.com/office/drawing/2014/main" id="{FD5D18B2-3247-9E90-3719-F8A178BFE7A3}"/>
+                </a:ext>
+              </a:extLst>
+            </p:cNvPr>
+            <p:cNvPicPr>
+              <a:picLocks noChangeAspect="1" noChangeArrowheads="1"/>
+            </p:cNvPicPr>
+            <p:nvPr/>
+          </p:nvPicPr>
+          <p:blipFill rotWithShape="1">
+            <a:blip r:embed="rId4">
+              <a:extLst>
+                <a:ext uri="{28A0092B-C50C-407E-A947-70E740481C1C}">
+                  <a14:useLocalDpi xmlns:a14="http://schemas.microsoft.com/office/drawing/2010/main" val="0"/>
+                </a:ext>
+              </a:extLst>
+            </a:blip>
+            <a:srcRect l="9703" t="9822" r="8756" b="11547"/>
+            <a:stretch/>
+          </p:blipFill>
+          <p:spPr bwMode="auto">
+            <a:xfrm>
+              <a:off x="227423" y="2271970"/>
+              <a:ext cx="1961703" cy="1891682"/>
+            </a:xfrm>
+            <a:prstGeom prst="rect">
+              <a:avLst/>
+            </a:prstGeom>
+            <a:noFill/>
+            <a:extLst>
+              <a:ext uri="{909E8E84-426E-40DD-AFC4-6F175D3DCCD1}">
+                <a14:hiddenFill xmlns:a14="http://schemas.microsoft.com/office/drawing/2010/main">
+                  <a:solidFill>
+                    <a:srgbClr val="FFFFFF"/>
+                  </a:solidFill>
+                </a14:hiddenFill>
+              </a:ext>
+            </a:extLst>
+          </p:spPr>
+        </p:pic>
+        <p:sp>
+          <p:nvSpPr>
+            <p:cNvPr id="13" name="Sous-titre 2">
+              <a:extLst>
+                <a:ext uri="{FF2B5EF4-FFF2-40B4-BE49-F238E27FC236}">
+                  <a16:creationId xmlns:a16="http://schemas.microsoft.com/office/drawing/2014/main" id="{58366119-BAB8-5651-E855-85A938B49C79}"/>
+                </a:ext>
+              </a:extLst>
+            </p:cNvPr>
+            <p:cNvSpPr txBox="1">
+              <a:spLocks/>
+            </p:cNvSpPr>
+            <p:nvPr/>
+          </p:nvSpPr>
+          <p:spPr>
+            <a:xfrm rot="20903392">
+              <a:off x="556330" y="3346259"/>
+              <a:ext cx="1364991" cy="649023"/>
+            </a:xfrm>
+            <a:prstGeom prst="rect">
+              <a:avLst/>
+            </a:prstGeom>
+          </p:spPr>
+          <p:txBody>
+            <a:bodyPr vert="horz" lIns="91440" tIns="45720" rIns="91440" bIns="45720" rtlCol="0">
+              <a:normAutofit fontScale="70000" lnSpcReduction="20000"/>
+            </a:bodyPr>
+            <a:lstStyle>
+              <a:lvl1pPr marL="0" indent="0" algn="ctr" defTabSz="914400" rtl="0" eaLnBrk="1" latinLnBrk="0" hangingPunct="1">
+                <a:lnSpc>
+                  <a:spcPct val="90000"/>
+                </a:lnSpc>
+                <a:spcBef>
+                  <a:spcPts val="1000"/>
+                </a:spcBef>
+                <a:buFont typeface="Arial" panose="020B0604020202020204" pitchFamily="34" charset="0"/>
+                <a:buNone/>
+                <a:defRPr sz="2400" kern="1200">
+                  <a:solidFill>
+                    <a:schemeClr val="tx1"/>
+                  </a:solidFill>
+                  <a:latin typeface="+mn-lt"/>
+                  <a:ea typeface="+mn-ea"/>
+                  <a:cs typeface="+mn-cs"/>
+                </a:defRPr>
+              </a:lvl1pPr>
+              <a:lvl2pPr marL="457200" indent="0" algn="ctr" defTabSz="914400" rtl="0" eaLnBrk="1" latinLnBrk="0" hangingPunct="1">
+                <a:lnSpc>
+                  <a:spcPct val="90000"/>
+                </a:lnSpc>
+                <a:spcBef>
+                  <a:spcPts val="500"/>
+                </a:spcBef>
+                <a:buFont typeface="Arial" panose="020B0604020202020204" pitchFamily="34" charset="0"/>
+                <a:buNone/>
+                <a:defRPr sz="2000" kern="1200">
+                  <a:solidFill>
+                    <a:schemeClr val="tx1"/>
+                  </a:solidFill>
+                  <a:latin typeface="+mn-lt"/>
+                  <a:ea typeface="+mn-ea"/>
+                  <a:cs typeface="+mn-cs"/>
+                </a:defRPr>
+              </a:lvl2pPr>
+              <a:lvl3pPr marL="914400" indent="0" algn="ctr" defTabSz="914400" rtl="0" eaLnBrk="1" latinLnBrk="0" hangingPunct="1">
+                <a:lnSpc>
+                  <a:spcPct val="90000"/>
+                </a:lnSpc>
+                <a:spcBef>
+                  <a:spcPts val="500"/>
+                </a:spcBef>
+                <a:buFont typeface="Arial" panose="020B0604020202020204" pitchFamily="34" charset="0"/>
+                <a:buNone/>
+                <a:defRPr sz="1800" kern="1200">
+                  <a:solidFill>
+                    <a:schemeClr val="tx1"/>
+                  </a:solidFill>
+                  <a:latin typeface="+mn-lt"/>
+                  <a:ea typeface="+mn-ea"/>
+                  <a:cs typeface="+mn-cs"/>
+                </a:defRPr>
+              </a:lvl3pPr>
+              <a:lvl4pPr marL="1371600" indent="0" algn="ctr" defTabSz="914400" rtl="0" eaLnBrk="1" latinLnBrk="0" hangingPunct="1">
+                <a:lnSpc>
+                  <a:spcPct val="90000"/>
+                </a:lnSpc>
+                <a:spcBef>
+                  <a:spcPts val="500"/>
+                </a:spcBef>
+                <a:buFont typeface="Arial" panose="020B0604020202020204" pitchFamily="34" charset="0"/>
+                <a:buNone/>
+                <a:defRPr sz="1600" kern="1200">
+                  <a:solidFill>
+                    <a:schemeClr val="tx1"/>
+                  </a:solidFill>
+                  <a:latin typeface="+mn-lt"/>
+                  <a:ea typeface="+mn-ea"/>
+                  <a:cs typeface="+mn-cs"/>
+                </a:defRPr>
+              </a:lvl4pPr>
+              <a:lvl5pPr marL="1828800" indent="0" algn="ctr" defTabSz="914400" rtl="0" eaLnBrk="1" latinLnBrk="0" hangingPunct="1">
+                <a:lnSpc>
+                  <a:spcPct val="90000"/>
+                </a:lnSpc>
+                <a:spcBef>
+                  <a:spcPts val="500"/>
+                </a:spcBef>
+                <a:buFont typeface="Arial" panose="020B0604020202020204" pitchFamily="34" charset="0"/>
+                <a:buNone/>
+                <a:defRPr sz="1600" kern="1200">
+                  <a:solidFill>
+                    <a:schemeClr val="tx1"/>
+                  </a:solidFill>
+                  <a:latin typeface="+mn-lt"/>
+                  <a:ea typeface="+mn-ea"/>
+                  <a:cs typeface="+mn-cs"/>
+                </a:defRPr>
+              </a:lvl5pPr>
+              <a:lvl6pPr marL="2286000" indent="0" algn="ctr" defTabSz="914400" rtl="0" eaLnBrk="1" latinLnBrk="0" hangingPunct="1">
+                <a:lnSpc>
+                  <a:spcPct val="90000"/>
+                </a:lnSpc>
+                <a:spcBef>
+                  <a:spcPts val="500"/>
+                </a:spcBef>
+                <a:buFont typeface="Arial" panose="020B0604020202020204" pitchFamily="34" charset="0"/>
+                <a:buNone/>
+                <a:defRPr sz="1600" kern="1200">
+                  <a:solidFill>
+                    <a:schemeClr val="tx1"/>
+                  </a:solidFill>
+                  <a:latin typeface="+mn-lt"/>
+                  <a:ea typeface="+mn-ea"/>
+                  <a:cs typeface="+mn-cs"/>
+                </a:defRPr>
+              </a:lvl6pPr>
+              <a:lvl7pPr marL="2743200" indent="0" algn="ctr" defTabSz="914400" rtl="0" eaLnBrk="1" latinLnBrk="0" hangingPunct="1">
+                <a:lnSpc>
+                  <a:spcPct val="90000"/>
+                </a:lnSpc>
+                <a:spcBef>
+                  <a:spcPts val="500"/>
+                </a:spcBef>
+                <a:buFont typeface="Arial" panose="020B0604020202020204" pitchFamily="34" charset="0"/>
+                <a:buNone/>
+                <a:defRPr sz="1600" kern="1200">
+                  <a:solidFill>
+                    <a:schemeClr val="tx1"/>
+                  </a:solidFill>
+                  <a:latin typeface="+mn-lt"/>
+                  <a:ea typeface="+mn-ea"/>
+                  <a:cs typeface="+mn-cs"/>
+                </a:defRPr>
+              </a:lvl7pPr>
+              <a:lvl8pPr marL="3200400" indent="0" algn="ctr" defTabSz="914400" rtl="0" eaLnBrk="1" latinLnBrk="0" hangingPunct="1">
+                <a:lnSpc>
+                  <a:spcPct val="90000"/>
+                </a:lnSpc>
+                <a:spcBef>
+                  <a:spcPts val="500"/>
+                </a:spcBef>
+                <a:buFont typeface="Arial" panose="020B0604020202020204" pitchFamily="34" charset="0"/>
+                <a:buNone/>
+                <a:defRPr sz="1600" kern="1200">
+                  <a:solidFill>
+                    <a:schemeClr val="tx1"/>
+                  </a:solidFill>
+                  <a:latin typeface="+mn-lt"/>
+                  <a:ea typeface="+mn-ea"/>
+                  <a:cs typeface="+mn-cs"/>
+                </a:defRPr>
+              </a:lvl8pPr>
+              <a:lvl9pPr marL="3657600" indent="0" algn="ctr" defTabSz="914400" rtl="0" eaLnBrk="1" latinLnBrk="0" hangingPunct="1">
+                <a:lnSpc>
+                  <a:spcPct val="90000"/>
+                </a:lnSpc>
+                <a:spcBef>
+                  <a:spcPts val="500"/>
+                </a:spcBef>
+                <a:buFont typeface="Arial" panose="020B0604020202020204" pitchFamily="34" charset="0"/>
+                <a:buNone/>
+                <a:defRPr sz="1600" kern="1200">
+                  <a:solidFill>
+                    <a:schemeClr val="tx1"/>
+                  </a:solidFill>
+                  <a:latin typeface="+mn-lt"/>
+                  <a:ea typeface="+mn-ea"/>
+                  <a:cs typeface="+mn-cs"/>
+                </a:defRPr>
+              </a:lvl9pPr>
+            </a:lstStyle>
+            <a:p>
+              <a:pPr algn="just">
+                <a:lnSpc>
+                  <a:spcPct val="150000"/>
+                </a:lnSpc>
+              </a:pPr>
+              <a:r>
+                <a:rPr lang="fr-FR" sz="2000" b="1" dirty="0">
+                  <a:solidFill>
+                    <a:schemeClr val="bg1"/>
+                  </a:solidFill>
+                </a:rPr>
+                <a:t>FUNCTION</a:t>
+              </a:r>
+            </a:p>
+          </p:txBody>
+        </p:sp>
+      </p:grpSp>
+      <p:sp>
+        <p:nvSpPr>
+          <p:cNvPr id="16" name="Sous-titre 2">
+            <a:extLst>
+              <a:ext uri="{FF2B5EF4-FFF2-40B4-BE49-F238E27FC236}">
+                <a16:creationId xmlns:a16="http://schemas.microsoft.com/office/drawing/2014/main" id="{24FD0235-2856-FD98-3D7E-925F262A76A4}"/>
+              </a:ext>
+            </a:extLst>
+          </p:cNvPr>
+          <p:cNvSpPr txBox="1">
+            <a:spLocks/>
+          </p:cNvSpPr>
+          <p:nvPr/>
+        </p:nvSpPr>
+        <p:spPr>
+          <a:xfrm>
+            <a:off x="2473594" y="2651382"/>
+            <a:ext cx="7635606" cy="778236"/>
+          </a:xfrm>
+          <a:prstGeom prst="rect">
+            <a:avLst/>
+          </a:prstGeom>
+        </p:spPr>
+        <p:txBody>
+          <a:bodyPr vert="horz" lIns="91440" tIns="45720" rIns="91440" bIns="45720" rtlCol="0">
+            <a:normAutofit/>
+          </a:bodyPr>
+          <a:lstStyle>
+            <a:lvl1pPr marL="0" indent="0" algn="ctr" defTabSz="914400" rtl="0" eaLnBrk="1" latinLnBrk="0" hangingPunct="1">
+              <a:lnSpc>
+                <a:spcPct val="90000"/>
+              </a:lnSpc>
+              <a:spcBef>
+                <a:spcPts val="1000"/>
+              </a:spcBef>
+              <a:buFont typeface="Arial" panose="020B0604020202020204" pitchFamily="34" charset="0"/>
+              <a:buNone/>
+              <a:defRPr sz="2400" kern="1200">
+                <a:solidFill>
+                  <a:schemeClr val="tx1"/>
+                </a:solidFill>
+                <a:latin typeface="+mn-lt"/>
+                <a:ea typeface="+mn-ea"/>
+                <a:cs typeface="+mn-cs"/>
+              </a:defRPr>
+            </a:lvl1pPr>
+            <a:lvl2pPr marL="457200" indent="0" algn="ctr" defTabSz="914400" rtl="0" eaLnBrk="1" latinLnBrk="0" hangingPunct="1">
+              <a:lnSpc>
+                <a:spcPct val="90000"/>
+              </a:lnSpc>
+              <a:spcBef>
+                <a:spcPts val="500"/>
+              </a:spcBef>
+              <a:buFont typeface="Arial" panose="020B0604020202020204" pitchFamily="34" charset="0"/>
+              <a:buNone/>
+              <a:defRPr sz="2000" kern="1200">
+                <a:solidFill>
+                  <a:schemeClr val="tx1"/>
+                </a:solidFill>
+                <a:latin typeface="+mn-lt"/>
+                <a:ea typeface="+mn-ea"/>
+                <a:cs typeface="+mn-cs"/>
+              </a:defRPr>
+            </a:lvl2pPr>
+            <a:lvl3pPr marL="914400" indent="0" algn="ctr" defTabSz="914400" rtl="0" eaLnBrk="1" latinLnBrk="0" hangingPunct="1">
+              <a:lnSpc>
+                <a:spcPct val="90000"/>
+              </a:lnSpc>
+              <a:spcBef>
+                <a:spcPts val="500"/>
+              </a:spcBef>
+              <a:buFont typeface="Arial" panose="020B0604020202020204" pitchFamily="34" charset="0"/>
+              <a:buNone/>
+              <a:defRPr sz="1800" kern="1200">
+                <a:solidFill>
+                  <a:schemeClr val="tx1"/>
+                </a:solidFill>
+                <a:latin typeface="+mn-lt"/>
+                <a:ea typeface="+mn-ea"/>
+                <a:cs typeface="+mn-cs"/>
+              </a:defRPr>
+            </a:lvl3pPr>
+            <a:lvl4pPr marL="1371600" indent="0" algn="ctr" defTabSz="914400" rtl="0" eaLnBrk="1" latinLnBrk="0" hangingPunct="1">
+              <a:lnSpc>
+                <a:spcPct val="90000"/>
+              </a:lnSpc>
+              <a:spcBef>
+                <a:spcPts val="500"/>
+              </a:spcBef>
+              <a:buFont typeface="Arial" panose="020B0604020202020204" pitchFamily="34" charset="0"/>
+              <a:buNone/>
+              <a:defRPr sz="1600" kern="1200">
+                <a:solidFill>
+                  <a:schemeClr val="tx1"/>
+                </a:solidFill>
+                <a:latin typeface="+mn-lt"/>
+                <a:ea typeface="+mn-ea"/>
+                <a:cs typeface="+mn-cs"/>
+              </a:defRPr>
+            </a:lvl4pPr>
+            <a:lvl5pPr marL="1828800" indent="0" algn="ctr" defTabSz="914400" rtl="0" eaLnBrk="1" latinLnBrk="0" hangingPunct="1">
+              <a:lnSpc>
+                <a:spcPct val="90000"/>
+              </a:lnSpc>
+              <a:spcBef>
+                <a:spcPts val="500"/>
+              </a:spcBef>
+              <a:buFont typeface="Arial" panose="020B0604020202020204" pitchFamily="34" charset="0"/>
+              <a:buNone/>
+              <a:defRPr sz="1600" kern="1200">
+                <a:solidFill>
+                  <a:schemeClr val="tx1"/>
+                </a:solidFill>
+                <a:latin typeface="+mn-lt"/>
+                <a:ea typeface="+mn-ea"/>
+                <a:cs typeface="+mn-cs"/>
+              </a:defRPr>
+            </a:lvl5pPr>
+            <a:lvl6pPr marL="2286000" indent="0" algn="ctr" defTabSz="914400" rtl="0" eaLnBrk="1" latinLnBrk="0" hangingPunct="1">
+              <a:lnSpc>
+                <a:spcPct val="90000"/>
+              </a:lnSpc>
+              <a:spcBef>
+                <a:spcPts val="500"/>
+              </a:spcBef>
+              <a:buFont typeface="Arial" panose="020B0604020202020204" pitchFamily="34" charset="0"/>
+              <a:buNone/>
+              <a:defRPr sz="1600" kern="1200">
+                <a:solidFill>
+                  <a:schemeClr val="tx1"/>
+                </a:solidFill>
+                <a:latin typeface="+mn-lt"/>
+                <a:ea typeface="+mn-ea"/>
+                <a:cs typeface="+mn-cs"/>
+              </a:defRPr>
+            </a:lvl6pPr>
+            <a:lvl7pPr marL="2743200" indent="0" algn="ctr" defTabSz="914400" rtl="0" eaLnBrk="1" latinLnBrk="0" hangingPunct="1">
+              <a:lnSpc>
+                <a:spcPct val="90000"/>
+              </a:lnSpc>
+              <a:spcBef>
+                <a:spcPts val="500"/>
+              </a:spcBef>
+              <a:buFont typeface="Arial" panose="020B0604020202020204" pitchFamily="34" charset="0"/>
+              <a:buNone/>
+              <a:defRPr sz="1600" kern="1200">
+                <a:solidFill>
+                  <a:schemeClr val="tx1"/>
+                </a:solidFill>
+                <a:latin typeface="+mn-lt"/>
+                <a:ea typeface="+mn-ea"/>
+                <a:cs typeface="+mn-cs"/>
+              </a:defRPr>
+            </a:lvl7pPr>
+            <a:lvl8pPr marL="3200400" indent="0" algn="ctr" defTabSz="914400" rtl="0" eaLnBrk="1" latinLnBrk="0" hangingPunct="1">
+              <a:lnSpc>
+                <a:spcPct val="90000"/>
+              </a:lnSpc>
+              <a:spcBef>
+                <a:spcPts val="500"/>
+              </a:spcBef>
+              <a:buFont typeface="Arial" panose="020B0604020202020204" pitchFamily="34" charset="0"/>
+              <a:buNone/>
+              <a:defRPr sz="1600" kern="1200">
+                <a:solidFill>
+                  <a:schemeClr val="tx1"/>
+                </a:solidFill>
+                <a:latin typeface="+mn-lt"/>
+                <a:ea typeface="+mn-ea"/>
+                <a:cs typeface="+mn-cs"/>
+              </a:defRPr>
+            </a:lvl8pPr>
+            <a:lvl9pPr marL="3657600" indent="0" algn="ctr" defTabSz="914400" rtl="0" eaLnBrk="1" latinLnBrk="0" hangingPunct="1">
+              <a:lnSpc>
+                <a:spcPct val="90000"/>
+              </a:lnSpc>
+              <a:spcBef>
+                <a:spcPts val="500"/>
+              </a:spcBef>
+              <a:buFont typeface="Arial" panose="020B0604020202020204" pitchFamily="34" charset="0"/>
+              <a:buNone/>
+              <a:defRPr sz="1600" kern="1200">
+                <a:solidFill>
+                  <a:schemeClr val="tx1"/>
+                </a:solidFill>
+                <a:latin typeface="+mn-lt"/>
+                <a:ea typeface="+mn-ea"/>
+                <a:cs typeface="+mn-cs"/>
+              </a:defRPr>
+            </a:lvl9pPr>
+          </a:lstStyle>
+          <a:p>
+            <a:pPr algn="just">
+              <a:lnSpc>
+                <a:spcPct val="150000"/>
+              </a:lnSpc>
+            </a:pPr>
+            <a:r>
+              <a:rPr lang="fr-FR" sz="2800" dirty="0" err="1"/>
+              <a:t>one_data_augmentation</a:t>
+            </a:r>
+            <a:r>
+              <a:rPr lang="fr-FR" sz="2800" dirty="0"/>
+              <a:t> : 6 paramètres d’entrée</a:t>
+            </a:r>
+          </a:p>
+        </p:txBody>
+      </p:sp>
+      <p:cxnSp>
+        <p:nvCxnSpPr>
+          <p:cNvPr id="20" name="Connecteur droit 19">
+            <a:extLst>
+              <a:ext uri="{FF2B5EF4-FFF2-40B4-BE49-F238E27FC236}">
+                <a16:creationId xmlns:a16="http://schemas.microsoft.com/office/drawing/2014/main" id="{8C099767-A8B7-C676-9636-59625869308F}"/>
+              </a:ext>
+            </a:extLst>
+          </p:cNvPr>
+          <p:cNvCxnSpPr/>
+          <p:nvPr/>
+        </p:nvCxnSpPr>
+        <p:spPr>
+          <a:xfrm>
+            <a:off x="3525520" y="3205480"/>
+            <a:ext cx="0" cy="1336040"/>
+          </a:xfrm>
+          <a:prstGeom prst="line">
+            <a:avLst/>
+          </a:prstGeom>
+          <a:ln w="38100">
+            <a:solidFill>
+              <a:schemeClr val="tx1"/>
+            </a:solidFill>
+          </a:ln>
+        </p:spPr>
+        <p:style>
+          <a:lnRef idx="1">
+            <a:schemeClr val="accent1"/>
+          </a:lnRef>
+          <a:fillRef idx="0">
+            <a:schemeClr val="accent1"/>
+          </a:fillRef>
+          <a:effectRef idx="0">
+            <a:schemeClr val="accent1"/>
+          </a:effectRef>
+          <a:fontRef idx="minor">
+            <a:schemeClr val="tx1"/>
+          </a:fontRef>
+        </p:style>
+      </p:cxnSp>
+      <p:cxnSp>
+        <p:nvCxnSpPr>
+          <p:cNvPr id="21" name="Connecteur droit 20">
+            <a:extLst>
+              <a:ext uri="{FF2B5EF4-FFF2-40B4-BE49-F238E27FC236}">
+                <a16:creationId xmlns:a16="http://schemas.microsoft.com/office/drawing/2014/main" id="{9ECCDB50-EDDE-0E4E-B07D-9B4A72C98F56}"/>
+              </a:ext>
+            </a:extLst>
+          </p:cNvPr>
+          <p:cNvCxnSpPr>
+            <a:cxnSpLocks/>
+          </p:cNvCxnSpPr>
+          <p:nvPr/>
+        </p:nvCxnSpPr>
+        <p:spPr>
+          <a:xfrm>
+            <a:off x="3505200" y="4533161"/>
+            <a:ext cx="1869440" cy="0"/>
+          </a:xfrm>
+          <a:prstGeom prst="line">
+            <a:avLst/>
+          </a:prstGeom>
+          <a:ln w="38100">
+            <a:solidFill>
+              <a:schemeClr val="tx1"/>
+            </a:solidFill>
+          </a:ln>
+        </p:spPr>
+        <p:style>
+          <a:lnRef idx="1">
+            <a:schemeClr val="accent1"/>
+          </a:lnRef>
+          <a:fillRef idx="0">
+            <a:schemeClr val="accent1"/>
+          </a:fillRef>
+          <a:effectRef idx="0">
+            <a:schemeClr val="accent1"/>
+          </a:effectRef>
+          <a:fontRef idx="minor">
+            <a:schemeClr val="tx1"/>
+          </a:fontRef>
+        </p:style>
+      </p:cxnSp>
+      <p:sp>
+        <p:nvSpPr>
+          <p:cNvPr id="23" name="Sous-titre 2">
+            <a:extLst>
+              <a:ext uri="{FF2B5EF4-FFF2-40B4-BE49-F238E27FC236}">
+                <a16:creationId xmlns:a16="http://schemas.microsoft.com/office/drawing/2014/main" id="{06DFB194-2A32-7383-735D-A480C8D3F302}"/>
+              </a:ext>
+            </a:extLst>
+          </p:cNvPr>
+          <p:cNvSpPr txBox="1">
+            <a:spLocks/>
+          </p:cNvSpPr>
+          <p:nvPr/>
+        </p:nvSpPr>
+        <p:spPr>
+          <a:xfrm>
+            <a:off x="5226954" y="4095300"/>
+            <a:ext cx="528319" cy="786981"/>
+          </a:xfrm>
+          <a:prstGeom prst="rect">
+            <a:avLst/>
+          </a:prstGeom>
+        </p:spPr>
+        <p:txBody>
+          <a:bodyPr vert="horz" lIns="91440" tIns="45720" rIns="91440" bIns="45720" rtlCol="0">
+            <a:normAutofit/>
+          </a:bodyPr>
+          <a:lstStyle>
+            <a:lvl1pPr marL="0" indent="0" algn="ctr" defTabSz="914400" rtl="0" eaLnBrk="1" latinLnBrk="0" hangingPunct="1">
+              <a:lnSpc>
+                <a:spcPct val="90000"/>
+              </a:lnSpc>
+              <a:spcBef>
+                <a:spcPts val="1000"/>
+              </a:spcBef>
+              <a:buFont typeface="Arial" panose="020B0604020202020204" pitchFamily="34" charset="0"/>
+              <a:buNone/>
+              <a:defRPr sz="2400" kern="1200">
+                <a:solidFill>
+                  <a:schemeClr val="tx1"/>
+                </a:solidFill>
+                <a:latin typeface="+mn-lt"/>
+                <a:ea typeface="+mn-ea"/>
+                <a:cs typeface="+mn-cs"/>
+              </a:defRPr>
+            </a:lvl1pPr>
+            <a:lvl2pPr marL="457200" indent="0" algn="ctr" defTabSz="914400" rtl="0" eaLnBrk="1" latinLnBrk="0" hangingPunct="1">
+              <a:lnSpc>
+                <a:spcPct val="90000"/>
+              </a:lnSpc>
+              <a:spcBef>
+                <a:spcPts val="500"/>
+              </a:spcBef>
+              <a:buFont typeface="Arial" panose="020B0604020202020204" pitchFamily="34" charset="0"/>
+              <a:buNone/>
+              <a:defRPr sz="2000" kern="1200">
+                <a:solidFill>
+                  <a:schemeClr val="tx1"/>
+                </a:solidFill>
+                <a:latin typeface="+mn-lt"/>
+                <a:ea typeface="+mn-ea"/>
+                <a:cs typeface="+mn-cs"/>
+              </a:defRPr>
+            </a:lvl2pPr>
+            <a:lvl3pPr marL="914400" indent="0" algn="ctr" defTabSz="914400" rtl="0" eaLnBrk="1" latinLnBrk="0" hangingPunct="1">
+              <a:lnSpc>
+                <a:spcPct val="90000"/>
+              </a:lnSpc>
+              <a:spcBef>
+                <a:spcPts val="500"/>
+              </a:spcBef>
+              <a:buFont typeface="Arial" panose="020B0604020202020204" pitchFamily="34" charset="0"/>
+              <a:buNone/>
+              <a:defRPr sz="1800" kern="1200">
+                <a:solidFill>
+                  <a:schemeClr val="tx1"/>
+                </a:solidFill>
+                <a:latin typeface="+mn-lt"/>
+                <a:ea typeface="+mn-ea"/>
+                <a:cs typeface="+mn-cs"/>
+              </a:defRPr>
+            </a:lvl3pPr>
+            <a:lvl4pPr marL="1371600" indent="0" algn="ctr" defTabSz="914400" rtl="0" eaLnBrk="1" latinLnBrk="0" hangingPunct="1">
+              <a:lnSpc>
+                <a:spcPct val="90000"/>
+              </a:lnSpc>
+              <a:spcBef>
+                <a:spcPts val="500"/>
+              </a:spcBef>
+              <a:buFont typeface="Arial" panose="020B0604020202020204" pitchFamily="34" charset="0"/>
+              <a:buNone/>
+              <a:defRPr sz="1600" kern="1200">
+                <a:solidFill>
+                  <a:schemeClr val="tx1"/>
+                </a:solidFill>
+                <a:latin typeface="+mn-lt"/>
+                <a:ea typeface="+mn-ea"/>
+                <a:cs typeface="+mn-cs"/>
+              </a:defRPr>
+            </a:lvl4pPr>
+            <a:lvl5pPr marL="1828800" indent="0" algn="ctr" defTabSz="914400" rtl="0" eaLnBrk="1" latinLnBrk="0" hangingPunct="1">
+              <a:lnSpc>
+                <a:spcPct val="90000"/>
+              </a:lnSpc>
+              <a:spcBef>
+                <a:spcPts val="500"/>
+              </a:spcBef>
+              <a:buFont typeface="Arial" panose="020B0604020202020204" pitchFamily="34" charset="0"/>
+              <a:buNone/>
+              <a:defRPr sz="1600" kern="1200">
+                <a:solidFill>
+                  <a:schemeClr val="tx1"/>
+                </a:solidFill>
+                <a:latin typeface="+mn-lt"/>
+                <a:ea typeface="+mn-ea"/>
+                <a:cs typeface="+mn-cs"/>
+              </a:defRPr>
+            </a:lvl5pPr>
+            <a:lvl6pPr marL="2286000" indent="0" algn="ctr" defTabSz="914400" rtl="0" eaLnBrk="1" latinLnBrk="0" hangingPunct="1">
+              <a:lnSpc>
+                <a:spcPct val="90000"/>
+              </a:lnSpc>
+              <a:spcBef>
+                <a:spcPts val="500"/>
+              </a:spcBef>
+              <a:buFont typeface="Arial" panose="020B0604020202020204" pitchFamily="34" charset="0"/>
+              <a:buNone/>
+              <a:defRPr sz="1600" kern="1200">
+                <a:solidFill>
+                  <a:schemeClr val="tx1"/>
+                </a:solidFill>
+                <a:latin typeface="+mn-lt"/>
+                <a:ea typeface="+mn-ea"/>
+                <a:cs typeface="+mn-cs"/>
+              </a:defRPr>
+            </a:lvl6pPr>
+            <a:lvl7pPr marL="2743200" indent="0" algn="ctr" defTabSz="914400" rtl="0" eaLnBrk="1" latinLnBrk="0" hangingPunct="1">
+              <a:lnSpc>
+                <a:spcPct val="90000"/>
+              </a:lnSpc>
+              <a:spcBef>
+                <a:spcPts val="500"/>
+              </a:spcBef>
+              <a:buFont typeface="Arial" panose="020B0604020202020204" pitchFamily="34" charset="0"/>
+              <a:buNone/>
+              <a:defRPr sz="1600" kern="1200">
+                <a:solidFill>
+                  <a:schemeClr val="tx1"/>
+                </a:solidFill>
+                <a:latin typeface="+mn-lt"/>
+                <a:ea typeface="+mn-ea"/>
+                <a:cs typeface="+mn-cs"/>
+              </a:defRPr>
+            </a:lvl7pPr>
+            <a:lvl8pPr marL="3200400" indent="0" algn="ctr" defTabSz="914400" rtl="0" eaLnBrk="1" latinLnBrk="0" hangingPunct="1">
+              <a:lnSpc>
+                <a:spcPct val="90000"/>
+              </a:lnSpc>
+              <a:spcBef>
+                <a:spcPts val="500"/>
+              </a:spcBef>
+              <a:buFont typeface="Arial" panose="020B0604020202020204" pitchFamily="34" charset="0"/>
+              <a:buNone/>
+              <a:defRPr sz="1600" kern="1200">
+                <a:solidFill>
+                  <a:schemeClr val="tx1"/>
+                </a:solidFill>
+                <a:latin typeface="+mn-lt"/>
+                <a:ea typeface="+mn-ea"/>
+                <a:cs typeface="+mn-cs"/>
+              </a:defRPr>
+            </a:lvl8pPr>
+            <a:lvl9pPr marL="3657600" indent="0" algn="ctr" defTabSz="914400" rtl="0" eaLnBrk="1" latinLnBrk="0" hangingPunct="1">
+              <a:lnSpc>
+                <a:spcPct val="90000"/>
+              </a:lnSpc>
+              <a:spcBef>
+                <a:spcPts val="500"/>
+              </a:spcBef>
+              <a:buFont typeface="Arial" panose="020B0604020202020204" pitchFamily="34" charset="0"/>
+              <a:buNone/>
+              <a:defRPr sz="1600" kern="1200">
+                <a:solidFill>
+                  <a:schemeClr val="tx1"/>
+                </a:solidFill>
+                <a:latin typeface="+mn-lt"/>
+                <a:ea typeface="+mn-ea"/>
+                <a:cs typeface="+mn-cs"/>
+              </a:defRPr>
+            </a:lvl9pPr>
+          </a:lstStyle>
+          <a:p>
+            <a:pPr algn="just">
+              <a:lnSpc>
+                <a:spcPct val="150000"/>
+              </a:lnSpc>
+            </a:pPr>
+            <a:r>
+              <a:rPr lang="fr-FR" sz="2800" b="1" dirty="0"/>
+              <a:t>&gt;</a:t>
+            </a:r>
+          </a:p>
+        </p:txBody>
+      </p:sp>
+      <p:sp>
+        <p:nvSpPr>
+          <p:cNvPr id="24" name="Sous-titre 2">
+            <a:extLst>
+              <a:ext uri="{FF2B5EF4-FFF2-40B4-BE49-F238E27FC236}">
+                <a16:creationId xmlns:a16="http://schemas.microsoft.com/office/drawing/2014/main" id="{1033039B-46FA-AE42-5352-1738DED13FD0}"/>
+              </a:ext>
+            </a:extLst>
+          </p:cNvPr>
+          <p:cNvSpPr txBox="1">
+            <a:spLocks/>
+          </p:cNvSpPr>
+          <p:nvPr/>
+        </p:nvSpPr>
+        <p:spPr>
+          <a:xfrm>
+            <a:off x="5514526" y="3857318"/>
+            <a:ext cx="6538327" cy="1236315"/>
+          </a:xfrm>
+          <a:prstGeom prst="rect">
+            <a:avLst/>
+          </a:prstGeom>
+        </p:spPr>
+        <p:txBody>
+          <a:bodyPr vert="horz" lIns="91440" tIns="45720" rIns="91440" bIns="45720" rtlCol="0">
+            <a:normAutofit fontScale="92500"/>
+          </a:bodyPr>
+          <a:lstStyle>
+            <a:lvl1pPr marL="0" indent="0" algn="ctr" defTabSz="914400" rtl="0" eaLnBrk="1" latinLnBrk="0" hangingPunct="1">
+              <a:lnSpc>
+                <a:spcPct val="90000"/>
+              </a:lnSpc>
+              <a:spcBef>
+                <a:spcPts val="1000"/>
+              </a:spcBef>
+              <a:buFont typeface="Arial" panose="020B0604020202020204" pitchFamily="34" charset="0"/>
+              <a:buNone/>
+              <a:defRPr sz="2400" kern="1200">
+                <a:solidFill>
+                  <a:schemeClr val="tx1"/>
+                </a:solidFill>
+                <a:latin typeface="+mn-lt"/>
+                <a:ea typeface="+mn-ea"/>
+                <a:cs typeface="+mn-cs"/>
+              </a:defRPr>
+            </a:lvl1pPr>
+            <a:lvl2pPr marL="457200" indent="0" algn="ctr" defTabSz="914400" rtl="0" eaLnBrk="1" latinLnBrk="0" hangingPunct="1">
+              <a:lnSpc>
+                <a:spcPct val="90000"/>
+              </a:lnSpc>
+              <a:spcBef>
+                <a:spcPts val="500"/>
+              </a:spcBef>
+              <a:buFont typeface="Arial" panose="020B0604020202020204" pitchFamily="34" charset="0"/>
+              <a:buNone/>
+              <a:defRPr sz="2000" kern="1200">
+                <a:solidFill>
+                  <a:schemeClr val="tx1"/>
+                </a:solidFill>
+                <a:latin typeface="+mn-lt"/>
+                <a:ea typeface="+mn-ea"/>
+                <a:cs typeface="+mn-cs"/>
+              </a:defRPr>
+            </a:lvl2pPr>
+            <a:lvl3pPr marL="914400" indent="0" algn="ctr" defTabSz="914400" rtl="0" eaLnBrk="1" latinLnBrk="0" hangingPunct="1">
+              <a:lnSpc>
+                <a:spcPct val="90000"/>
+              </a:lnSpc>
+              <a:spcBef>
+                <a:spcPts val="500"/>
+              </a:spcBef>
+              <a:buFont typeface="Arial" panose="020B0604020202020204" pitchFamily="34" charset="0"/>
+              <a:buNone/>
+              <a:defRPr sz="1800" kern="1200">
+                <a:solidFill>
+                  <a:schemeClr val="tx1"/>
+                </a:solidFill>
+                <a:latin typeface="+mn-lt"/>
+                <a:ea typeface="+mn-ea"/>
+                <a:cs typeface="+mn-cs"/>
+              </a:defRPr>
+            </a:lvl3pPr>
+            <a:lvl4pPr marL="1371600" indent="0" algn="ctr" defTabSz="914400" rtl="0" eaLnBrk="1" latinLnBrk="0" hangingPunct="1">
+              <a:lnSpc>
+                <a:spcPct val="90000"/>
+              </a:lnSpc>
+              <a:spcBef>
+                <a:spcPts val="500"/>
+              </a:spcBef>
+              <a:buFont typeface="Arial" panose="020B0604020202020204" pitchFamily="34" charset="0"/>
+              <a:buNone/>
+              <a:defRPr sz="1600" kern="1200">
+                <a:solidFill>
+                  <a:schemeClr val="tx1"/>
+                </a:solidFill>
+                <a:latin typeface="+mn-lt"/>
+                <a:ea typeface="+mn-ea"/>
+                <a:cs typeface="+mn-cs"/>
+              </a:defRPr>
+            </a:lvl4pPr>
+            <a:lvl5pPr marL="1828800" indent="0" algn="ctr" defTabSz="914400" rtl="0" eaLnBrk="1" latinLnBrk="0" hangingPunct="1">
+              <a:lnSpc>
+                <a:spcPct val="90000"/>
+              </a:lnSpc>
+              <a:spcBef>
+                <a:spcPts val="500"/>
+              </a:spcBef>
+              <a:buFont typeface="Arial" panose="020B0604020202020204" pitchFamily="34" charset="0"/>
+              <a:buNone/>
+              <a:defRPr sz="1600" kern="1200">
+                <a:solidFill>
+                  <a:schemeClr val="tx1"/>
+                </a:solidFill>
+                <a:latin typeface="+mn-lt"/>
+                <a:ea typeface="+mn-ea"/>
+                <a:cs typeface="+mn-cs"/>
+              </a:defRPr>
+            </a:lvl5pPr>
+            <a:lvl6pPr marL="2286000" indent="0" algn="ctr" defTabSz="914400" rtl="0" eaLnBrk="1" latinLnBrk="0" hangingPunct="1">
+              <a:lnSpc>
+                <a:spcPct val="90000"/>
+              </a:lnSpc>
+              <a:spcBef>
+                <a:spcPts val="500"/>
+              </a:spcBef>
+              <a:buFont typeface="Arial" panose="020B0604020202020204" pitchFamily="34" charset="0"/>
+              <a:buNone/>
+              <a:defRPr sz="1600" kern="1200">
+                <a:solidFill>
+                  <a:schemeClr val="tx1"/>
+                </a:solidFill>
+                <a:latin typeface="+mn-lt"/>
+                <a:ea typeface="+mn-ea"/>
+                <a:cs typeface="+mn-cs"/>
+              </a:defRPr>
+            </a:lvl6pPr>
+            <a:lvl7pPr marL="2743200" indent="0" algn="ctr" defTabSz="914400" rtl="0" eaLnBrk="1" latinLnBrk="0" hangingPunct="1">
+              <a:lnSpc>
+                <a:spcPct val="90000"/>
+              </a:lnSpc>
+              <a:spcBef>
+                <a:spcPts val="500"/>
+              </a:spcBef>
+              <a:buFont typeface="Arial" panose="020B0604020202020204" pitchFamily="34" charset="0"/>
+              <a:buNone/>
+              <a:defRPr sz="1600" kern="1200">
+                <a:solidFill>
+                  <a:schemeClr val="tx1"/>
+                </a:solidFill>
+                <a:latin typeface="+mn-lt"/>
+                <a:ea typeface="+mn-ea"/>
+                <a:cs typeface="+mn-cs"/>
+              </a:defRPr>
+            </a:lvl7pPr>
+            <a:lvl8pPr marL="3200400" indent="0" algn="ctr" defTabSz="914400" rtl="0" eaLnBrk="1" latinLnBrk="0" hangingPunct="1">
+              <a:lnSpc>
+                <a:spcPct val="90000"/>
+              </a:lnSpc>
+              <a:spcBef>
+                <a:spcPts val="500"/>
+              </a:spcBef>
+              <a:buFont typeface="Arial" panose="020B0604020202020204" pitchFamily="34" charset="0"/>
+              <a:buNone/>
+              <a:defRPr sz="1600" kern="1200">
+                <a:solidFill>
+                  <a:schemeClr val="tx1"/>
+                </a:solidFill>
+                <a:latin typeface="+mn-lt"/>
+                <a:ea typeface="+mn-ea"/>
+                <a:cs typeface="+mn-cs"/>
+              </a:defRPr>
+            </a:lvl8pPr>
+            <a:lvl9pPr marL="3657600" indent="0" algn="ctr" defTabSz="914400" rtl="0" eaLnBrk="1" latinLnBrk="0" hangingPunct="1">
+              <a:lnSpc>
+                <a:spcPct val="90000"/>
+              </a:lnSpc>
+              <a:spcBef>
+                <a:spcPts val="500"/>
+              </a:spcBef>
+              <a:buFont typeface="Arial" panose="020B0604020202020204" pitchFamily="34" charset="0"/>
+              <a:buNone/>
+              <a:defRPr sz="1600" kern="1200">
+                <a:solidFill>
+                  <a:schemeClr val="tx1"/>
+                </a:solidFill>
+                <a:latin typeface="+mn-lt"/>
+                <a:ea typeface="+mn-ea"/>
+                <a:cs typeface="+mn-cs"/>
+              </a:defRPr>
+            </a:lvl9pPr>
+          </a:lstStyle>
+          <a:p>
+            <a:pPr algn="just">
+              <a:lnSpc>
+                <a:spcPct val="150000"/>
+              </a:lnSpc>
+            </a:pPr>
+            <a:r>
+              <a:rPr lang="fr-FR" sz="2800" dirty="0"/>
+              <a:t>Crée un nombre d’images (passé en argument)  différentes d’une image (passée en argument)</a:t>
+            </a:r>
+          </a:p>
+        </p:txBody>
+      </p:sp>
+      <p:pic>
+        <p:nvPicPr>
+          <p:cNvPr id="29" name="Picture 4" descr="Nouvelle Fonctionnalité Ou Un Badge De Produit Icône Plat Pour Les  Applications Et Sites Web Clip Art Libres De Droits , Svg , Vecteurs Et  Illustration. Image 42273474.">
+            <a:extLst>
+              <a:ext uri="{FF2B5EF4-FFF2-40B4-BE49-F238E27FC236}">
+                <a16:creationId xmlns:a16="http://schemas.microsoft.com/office/drawing/2014/main" id="{DCA3509C-B3D9-5A68-C636-8D397A50AC93}"/>
+              </a:ext>
+            </a:extLst>
+          </p:cNvPr>
+          <p:cNvPicPr>
+            <a:picLocks noChangeAspect="1" noChangeArrowheads="1"/>
+          </p:cNvPicPr>
+          <p:nvPr/>
+        </p:nvPicPr>
+        <p:blipFill rotWithShape="1">
+          <a:blip r:embed="rId4">
+            <a:extLst>
+              <a:ext uri="{28A0092B-C50C-407E-A947-70E740481C1C}">
+                <a14:useLocalDpi xmlns:a14="http://schemas.microsoft.com/office/drawing/2010/main" val="0"/>
+              </a:ext>
+            </a:extLst>
+          </a:blip>
+          <a:srcRect l="9703" t="9822" r="8756" b="11547"/>
+          <a:stretch/>
+        </p:blipFill>
+        <p:spPr bwMode="auto">
+          <a:xfrm>
+            <a:off x="278223" y="4946433"/>
+            <a:ext cx="1496125" cy="1466910"/>
+          </a:xfrm>
+          <a:prstGeom prst="rect">
+            <a:avLst/>
+          </a:prstGeom>
+          <a:noFill/>
+          <a:extLst>
+            <a:ext uri="{909E8E84-426E-40DD-AFC4-6F175D3DCCD1}">
+              <a14:hiddenFill xmlns:a14="http://schemas.microsoft.com/office/drawing/2010/main">
+                <a:solidFill>
+                  <a:srgbClr val="FFFFFF"/>
+                </a:solidFill>
+              </a14:hiddenFill>
+            </a:ext>
+          </a:extLst>
+        </p:spPr>
+      </p:pic>
+      <p:sp>
+        <p:nvSpPr>
+          <p:cNvPr id="30" name="Sous-titre 2">
+            <a:extLst>
+              <a:ext uri="{FF2B5EF4-FFF2-40B4-BE49-F238E27FC236}">
+                <a16:creationId xmlns:a16="http://schemas.microsoft.com/office/drawing/2014/main" id="{1B8AE966-EB6C-7DA4-4D5F-A7FF57AB0997}"/>
+              </a:ext>
+            </a:extLst>
+          </p:cNvPr>
+          <p:cNvSpPr txBox="1">
+            <a:spLocks/>
+          </p:cNvSpPr>
+          <p:nvPr/>
+        </p:nvSpPr>
+        <p:spPr>
+          <a:xfrm rot="20903392">
+            <a:off x="529069" y="5779493"/>
+            <a:ext cx="1041033" cy="503287"/>
+          </a:xfrm>
+          <a:prstGeom prst="rect">
+            <a:avLst/>
+          </a:prstGeom>
+        </p:spPr>
+        <p:txBody>
+          <a:bodyPr vert="horz" lIns="91440" tIns="45720" rIns="91440" bIns="45720" rtlCol="0">
+            <a:normAutofit fontScale="70000" lnSpcReduction="20000"/>
+          </a:bodyPr>
+          <a:lstStyle>
+            <a:lvl1pPr marL="0" indent="0" algn="ctr" defTabSz="914400" rtl="0" eaLnBrk="1" latinLnBrk="0" hangingPunct="1">
+              <a:lnSpc>
+                <a:spcPct val="90000"/>
+              </a:lnSpc>
+              <a:spcBef>
+                <a:spcPts val="1000"/>
+              </a:spcBef>
+              <a:buFont typeface="Arial" panose="020B0604020202020204" pitchFamily="34" charset="0"/>
+              <a:buNone/>
+              <a:defRPr sz="2400" kern="1200">
+                <a:solidFill>
+                  <a:schemeClr val="tx1"/>
+                </a:solidFill>
+                <a:latin typeface="+mn-lt"/>
+                <a:ea typeface="+mn-ea"/>
+                <a:cs typeface="+mn-cs"/>
+              </a:defRPr>
+            </a:lvl1pPr>
+            <a:lvl2pPr marL="457200" indent="0" algn="ctr" defTabSz="914400" rtl="0" eaLnBrk="1" latinLnBrk="0" hangingPunct="1">
+              <a:lnSpc>
+                <a:spcPct val="90000"/>
+              </a:lnSpc>
+              <a:spcBef>
+                <a:spcPts val="500"/>
+              </a:spcBef>
+              <a:buFont typeface="Arial" panose="020B0604020202020204" pitchFamily="34" charset="0"/>
+              <a:buNone/>
+              <a:defRPr sz="2000" kern="1200">
+                <a:solidFill>
+                  <a:schemeClr val="tx1"/>
+                </a:solidFill>
+                <a:latin typeface="+mn-lt"/>
+                <a:ea typeface="+mn-ea"/>
+                <a:cs typeface="+mn-cs"/>
+              </a:defRPr>
+            </a:lvl2pPr>
+            <a:lvl3pPr marL="914400" indent="0" algn="ctr" defTabSz="914400" rtl="0" eaLnBrk="1" latinLnBrk="0" hangingPunct="1">
+              <a:lnSpc>
+                <a:spcPct val="90000"/>
+              </a:lnSpc>
+              <a:spcBef>
+                <a:spcPts val="500"/>
+              </a:spcBef>
+              <a:buFont typeface="Arial" panose="020B0604020202020204" pitchFamily="34" charset="0"/>
+              <a:buNone/>
+              <a:defRPr sz="1800" kern="1200">
+                <a:solidFill>
+                  <a:schemeClr val="tx1"/>
+                </a:solidFill>
+                <a:latin typeface="+mn-lt"/>
+                <a:ea typeface="+mn-ea"/>
+                <a:cs typeface="+mn-cs"/>
+              </a:defRPr>
+            </a:lvl3pPr>
+            <a:lvl4pPr marL="1371600" indent="0" algn="ctr" defTabSz="914400" rtl="0" eaLnBrk="1" latinLnBrk="0" hangingPunct="1">
+              <a:lnSpc>
+                <a:spcPct val="90000"/>
+              </a:lnSpc>
+              <a:spcBef>
+                <a:spcPts val="500"/>
+              </a:spcBef>
+              <a:buFont typeface="Arial" panose="020B0604020202020204" pitchFamily="34" charset="0"/>
+              <a:buNone/>
+              <a:defRPr sz="1600" kern="1200">
+                <a:solidFill>
+                  <a:schemeClr val="tx1"/>
+                </a:solidFill>
+                <a:latin typeface="+mn-lt"/>
+                <a:ea typeface="+mn-ea"/>
+                <a:cs typeface="+mn-cs"/>
+              </a:defRPr>
+            </a:lvl4pPr>
+            <a:lvl5pPr marL="1828800" indent="0" algn="ctr" defTabSz="914400" rtl="0" eaLnBrk="1" latinLnBrk="0" hangingPunct="1">
+              <a:lnSpc>
+                <a:spcPct val="90000"/>
+              </a:lnSpc>
+              <a:spcBef>
+                <a:spcPts val="500"/>
+              </a:spcBef>
+              <a:buFont typeface="Arial" panose="020B0604020202020204" pitchFamily="34" charset="0"/>
+              <a:buNone/>
+              <a:defRPr sz="1600" kern="1200">
+                <a:solidFill>
+                  <a:schemeClr val="tx1"/>
+                </a:solidFill>
+                <a:latin typeface="+mn-lt"/>
+                <a:ea typeface="+mn-ea"/>
+                <a:cs typeface="+mn-cs"/>
+              </a:defRPr>
+            </a:lvl5pPr>
+            <a:lvl6pPr marL="2286000" indent="0" algn="ctr" defTabSz="914400" rtl="0" eaLnBrk="1" latinLnBrk="0" hangingPunct="1">
+              <a:lnSpc>
+                <a:spcPct val="90000"/>
+              </a:lnSpc>
+              <a:spcBef>
+                <a:spcPts val="500"/>
+              </a:spcBef>
+              <a:buFont typeface="Arial" panose="020B0604020202020204" pitchFamily="34" charset="0"/>
+              <a:buNone/>
+              <a:defRPr sz="1600" kern="1200">
+                <a:solidFill>
+                  <a:schemeClr val="tx1"/>
+                </a:solidFill>
+                <a:latin typeface="+mn-lt"/>
+                <a:ea typeface="+mn-ea"/>
+                <a:cs typeface="+mn-cs"/>
+              </a:defRPr>
+            </a:lvl6pPr>
+            <a:lvl7pPr marL="2743200" indent="0" algn="ctr" defTabSz="914400" rtl="0" eaLnBrk="1" latinLnBrk="0" hangingPunct="1">
+              <a:lnSpc>
+                <a:spcPct val="90000"/>
+              </a:lnSpc>
+              <a:spcBef>
+                <a:spcPts val="500"/>
+              </a:spcBef>
+              <a:buFont typeface="Arial" panose="020B0604020202020204" pitchFamily="34" charset="0"/>
+              <a:buNone/>
+              <a:defRPr sz="1600" kern="1200">
+                <a:solidFill>
+                  <a:schemeClr val="tx1"/>
+                </a:solidFill>
+                <a:latin typeface="+mn-lt"/>
+                <a:ea typeface="+mn-ea"/>
+                <a:cs typeface="+mn-cs"/>
+              </a:defRPr>
+            </a:lvl7pPr>
+            <a:lvl8pPr marL="3200400" indent="0" algn="ctr" defTabSz="914400" rtl="0" eaLnBrk="1" latinLnBrk="0" hangingPunct="1">
+              <a:lnSpc>
+                <a:spcPct val="90000"/>
+              </a:lnSpc>
+              <a:spcBef>
+                <a:spcPts val="500"/>
+              </a:spcBef>
+              <a:buFont typeface="Arial" panose="020B0604020202020204" pitchFamily="34" charset="0"/>
+              <a:buNone/>
+              <a:defRPr sz="1600" kern="1200">
+                <a:solidFill>
+                  <a:schemeClr val="tx1"/>
+                </a:solidFill>
+                <a:latin typeface="+mn-lt"/>
+                <a:ea typeface="+mn-ea"/>
+                <a:cs typeface="+mn-cs"/>
+              </a:defRPr>
+            </a:lvl8pPr>
+            <a:lvl9pPr marL="3657600" indent="0" algn="ctr" defTabSz="914400" rtl="0" eaLnBrk="1" latinLnBrk="0" hangingPunct="1">
+              <a:lnSpc>
+                <a:spcPct val="90000"/>
+              </a:lnSpc>
+              <a:spcBef>
+                <a:spcPts val="500"/>
+              </a:spcBef>
+              <a:buFont typeface="Arial" panose="020B0604020202020204" pitchFamily="34" charset="0"/>
+              <a:buNone/>
+              <a:defRPr sz="1600" kern="1200">
+                <a:solidFill>
+                  <a:schemeClr val="tx1"/>
+                </a:solidFill>
+                <a:latin typeface="+mn-lt"/>
+                <a:ea typeface="+mn-ea"/>
+                <a:cs typeface="+mn-cs"/>
+              </a:defRPr>
+            </a:lvl9pPr>
+          </a:lstStyle>
+          <a:p>
+            <a:pPr algn="just">
+              <a:lnSpc>
+                <a:spcPct val="150000"/>
+              </a:lnSpc>
+            </a:pPr>
+            <a:r>
+              <a:rPr lang="fr-FR" sz="2000" b="1" dirty="0">
+                <a:solidFill>
+                  <a:schemeClr val="bg1"/>
+                </a:solidFill>
+              </a:rPr>
+              <a:t>FUNCTION</a:t>
+            </a:r>
+          </a:p>
+        </p:txBody>
+      </p:sp>
+      <p:sp>
+        <p:nvSpPr>
+          <p:cNvPr id="31" name="Sous-titre 2">
+            <a:extLst>
+              <a:ext uri="{FF2B5EF4-FFF2-40B4-BE49-F238E27FC236}">
+                <a16:creationId xmlns:a16="http://schemas.microsoft.com/office/drawing/2014/main" id="{203DB1E6-A896-39B1-503C-60E5508ED5DC}"/>
+              </a:ext>
+            </a:extLst>
+          </p:cNvPr>
+          <p:cNvSpPr txBox="1">
+            <a:spLocks/>
+          </p:cNvSpPr>
+          <p:nvPr/>
+        </p:nvSpPr>
+        <p:spPr>
+          <a:xfrm>
+            <a:off x="2278197" y="5404668"/>
+            <a:ext cx="7635606" cy="778236"/>
+          </a:xfrm>
+          <a:prstGeom prst="rect">
+            <a:avLst/>
+          </a:prstGeom>
+        </p:spPr>
+        <p:txBody>
+          <a:bodyPr vert="horz" lIns="91440" tIns="45720" rIns="91440" bIns="45720" rtlCol="0">
+            <a:normAutofit fontScale="92500"/>
+          </a:bodyPr>
+          <a:lstStyle>
+            <a:lvl1pPr marL="0" indent="0" algn="ctr" defTabSz="914400" rtl="0" eaLnBrk="1" latinLnBrk="0" hangingPunct="1">
+              <a:lnSpc>
+                <a:spcPct val="90000"/>
+              </a:lnSpc>
+              <a:spcBef>
+                <a:spcPts val="1000"/>
+              </a:spcBef>
+              <a:buFont typeface="Arial" panose="020B0604020202020204" pitchFamily="34" charset="0"/>
+              <a:buNone/>
+              <a:defRPr sz="2400" kern="1200">
+                <a:solidFill>
+                  <a:schemeClr val="tx1"/>
+                </a:solidFill>
+                <a:latin typeface="+mn-lt"/>
+                <a:ea typeface="+mn-ea"/>
+                <a:cs typeface="+mn-cs"/>
+              </a:defRPr>
+            </a:lvl1pPr>
+            <a:lvl2pPr marL="457200" indent="0" algn="ctr" defTabSz="914400" rtl="0" eaLnBrk="1" latinLnBrk="0" hangingPunct="1">
+              <a:lnSpc>
+                <a:spcPct val="90000"/>
+              </a:lnSpc>
+              <a:spcBef>
+                <a:spcPts val="500"/>
+              </a:spcBef>
+              <a:buFont typeface="Arial" panose="020B0604020202020204" pitchFamily="34" charset="0"/>
+              <a:buNone/>
+              <a:defRPr sz="2000" kern="1200">
+                <a:solidFill>
+                  <a:schemeClr val="tx1"/>
+                </a:solidFill>
+                <a:latin typeface="+mn-lt"/>
+                <a:ea typeface="+mn-ea"/>
+                <a:cs typeface="+mn-cs"/>
+              </a:defRPr>
+            </a:lvl2pPr>
+            <a:lvl3pPr marL="914400" indent="0" algn="ctr" defTabSz="914400" rtl="0" eaLnBrk="1" latinLnBrk="0" hangingPunct="1">
+              <a:lnSpc>
+                <a:spcPct val="90000"/>
+              </a:lnSpc>
+              <a:spcBef>
+                <a:spcPts val="500"/>
+              </a:spcBef>
+              <a:buFont typeface="Arial" panose="020B0604020202020204" pitchFamily="34" charset="0"/>
+              <a:buNone/>
+              <a:defRPr sz="1800" kern="1200">
+                <a:solidFill>
+                  <a:schemeClr val="tx1"/>
+                </a:solidFill>
+                <a:latin typeface="+mn-lt"/>
+                <a:ea typeface="+mn-ea"/>
+                <a:cs typeface="+mn-cs"/>
+              </a:defRPr>
+            </a:lvl3pPr>
+            <a:lvl4pPr marL="1371600" indent="0" algn="ctr" defTabSz="914400" rtl="0" eaLnBrk="1" latinLnBrk="0" hangingPunct="1">
+              <a:lnSpc>
+                <a:spcPct val="90000"/>
+              </a:lnSpc>
+              <a:spcBef>
+                <a:spcPts val="500"/>
+              </a:spcBef>
+              <a:buFont typeface="Arial" panose="020B0604020202020204" pitchFamily="34" charset="0"/>
+              <a:buNone/>
+              <a:defRPr sz="1600" kern="1200">
+                <a:solidFill>
+                  <a:schemeClr val="tx1"/>
+                </a:solidFill>
+                <a:latin typeface="+mn-lt"/>
+                <a:ea typeface="+mn-ea"/>
+                <a:cs typeface="+mn-cs"/>
+              </a:defRPr>
+            </a:lvl4pPr>
+            <a:lvl5pPr marL="1828800" indent="0" algn="ctr" defTabSz="914400" rtl="0" eaLnBrk="1" latinLnBrk="0" hangingPunct="1">
+              <a:lnSpc>
+                <a:spcPct val="90000"/>
+              </a:lnSpc>
+              <a:spcBef>
+                <a:spcPts val="500"/>
+              </a:spcBef>
+              <a:buFont typeface="Arial" panose="020B0604020202020204" pitchFamily="34" charset="0"/>
+              <a:buNone/>
+              <a:defRPr sz="1600" kern="1200">
+                <a:solidFill>
+                  <a:schemeClr val="tx1"/>
+                </a:solidFill>
+                <a:latin typeface="+mn-lt"/>
+                <a:ea typeface="+mn-ea"/>
+                <a:cs typeface="+mn-cs"/>
+              </a:defRPr>
+            </a:lvl5pPr>
+            <a:lvl6pPr marL="2286000" indent="0" algn="ctr" defTabSz="914400" rtl="0" eaLnBrk="1" latinLnBrk="0" hangingPunct="1">
+              <a:lnSpc>
+                <a:spcPct val="90000"/>
+              </a:lnSpc>
+              <a:spcBef>
+                <a:spcPts val="500"/>
+              </a:spcBef>
+              <a:buFont typeface="Arial" panose="020B0604020202020204" pitchFamily="34" charset="0"/>
+              <a:buNone/>
+              <a:defRPr sz="1600" kern="1200">
+                <a:solidFill>
+                  <a:schemeClr val="tx1"/>
+                </a:solidFill>
+                <a:latin typeface="+mn-lt"/>
+                <a:ea typeface="+mn-ea"/>
+                <a:cs typeface="+mn-cs"/>
+              </a:defRPr>
+            </a:lvl6pPr>
+            <a:lvl7pPr marL="2743200" indent="0" algn="ctr" defTabSz="914400" rtl="0" eaLnBrk="1" latinLnBrk="0" hangingPunct="1">
+              <a:lnSpc>
+                <a:spcPct val="90000"/>
+              </a:lnSpc>
+              <a:spcBef>
+                <a:spcPts val="500"/>
+              </a:spcBef>
+              <a:buFont typeface="Arial" panose="020B0604020202020204" pitchFamily="34" charset="0"/>
+              <a:buNone/>
+              <a:defRPr sz="1600" kern="1200">
+                <a:solidFill>
+                  <a:schemeClr val="tx1"/>
+                </a:solidFill>
+                <a:latin typeface="+mn-lt"/>
+                <a:ea typeface="+mn-ea"/>
+                <a:cs typeface="+mn-cs"/>
+              </a:defRPr>
+            </a:lvl7pPr>
+            <a:lvl8pPr marL="3200400" indent="0" algn="ctr" defTabSz="914400" rtl="0" eaLnBrk="1" latinLnBrk="0" hangingPunct="1">
+              <a:lnSpc>
+                <a:spcPct val="90000"/>
+              </a:lnSpc>
+              <a:spcBef>
+                <a:spcPts val="500"/>
+              </a:spcBef>
+              <a:buFont typeface="Arial" panose="020B0604020202020204" pitchFamily="34" charset="0"/>
+              <a:buNone/>
+              <a:defRPr sz="1600" kern="1200">
+                <a:solidFill>
+                  <a:schemeClr val="tx1"/>
+                </a:solidFill>
+                <a:latin typeface="+mn-lt"/>
+                <a:ea typeface="+mn-ea"/>
+                <a:cs typeface="+mn-cs"/>
+              </a:defRPr>
+            </a:lvl8pPr>
+            <a:lvl9pPr marL="3657600" indent="0" algn="ctr" defTabSz="914400" rtl="0" eaLnBrk="1" latinLnBrk="0" hangingPunct="1">
+              <a:lnSpc>
+                <a:spcPct val="90000"/>
+              </a:lnSpc>
+              <a:spcBef>
+                <a:spcPts val="500"/>
+              </a:spcBef>
+              <a:buFont typeface="Arial" panose="020B0604020202020204" pitchFamily="34" charset="0"/>
+              <a:buNone/>
+              <a:defRPr sz="1600" kern="1200">
+                <a:solidFill>
+                  <a:schemeClr val="tx1"/>
+                </a:solidFill>
+                <a:latin typeface="+mn-lt"/>
+                <a:ea typeface="+mn-ea"/>
+                <a:cs typeface="+mn-cs"/>
+              </a:defRPr>
+            </a:lvl9pPr>
+          </a:lstStyle>
+          <a:p>
+            <a:pPr algn="just">
+              <a:lnSpc>
+                <a:spcPct val="150000"/>
+              </a:lnSpc>
+            </a:pPr>
+            <a:r>
+              <a:rPr lang="fr-FR" sz="2800" dirty="0" err="1"/>
+              <a:t>loop_data_augmentation</a:t>
+            </a:r>
+            <a:r>
+              <a:rPr lang="fr-FR" sz="2800" dirty="0"/>
+              <a:t> : boucle sur les deux dossiers</a:t>
+            </a:r>
           </a:p>
         </p:txBody>
       </p:sp>
     </p:spTree>
     <p:extLst>
       <p:ext uri="{BB962C8B-B14F-4D97-AF65-F5344CB8AC3E}">
-        <p14:creationId xmlns:p14="http://schemas.microsoft.com/office/powerpoint/2010/main" val="2141959274"/>
+        <p14:creationId xmlns:p14="http://schemas.microsoft.com/office/powerpoint/2010/main" val="946915382"/>
       </p:ext>
     </p:extLst>
   </p:cSld>
